--- a/Präsentationen/Python Erweitert.pptx
+++ b/Präsentationen/Python Erweitert.pptx
@@ -315,7 +315,7 @@
                   <a:schemeClr val="tx2"/>
                 </a:solidFill>
               </a:rPr>
-              <a:t>28.02.2018</a:t>
+              <a:t>27.03.2018</a:t>
             </a:fld>
             <a:endParaRPr lang="de-DE">
               <a:solidFill>
@@ -665,7 +665,7 @@
             <a:fld id="{B4113CCE-1A1A-46DB-884A-AE560F65C3AF}" type="datetimeFigureOut">
               <a:rPr lang="de-DE" smtClean="0"/>
               <a:pPr/>
-              <a:t>28.02.2018</a:t>
+              <a:t>27.03.2018</a:t>
             </a:fld>
             <a:endParaRPr lang="de-DE"/>
           </a:p>
@@ -1131,7 +1131,12 @@
             <p:ph type="sldImg"/>
           </p:nvPr>
         </p:nvSpPr>
-        <p:spPr/>
+        <p:spPr>
+          <a:xfrm>
+            <a:off x="685800" y="1143000"/>
+            <a:ext cx="4270375" cy="2401888"/>
+          </a:xfrm>
+        </p:spPr>
       </p:sp>
       <p:sp>
         <p:nvSpPr>
@@ -1783,11 +1788,7 @@
             </a:r>
             <a:r>
               <a:rPr lang="de-DE" baseline="0" dirty="0" smtClean="0"/>
-              <a:t> Baum und einem gleichen Baum ist deshalb so wichtig, weil sich Änderungen ggf. nur auf einen Beobachter auswirken</a:t>
-            </a:r>
-            <a:r>
-              <a:rPr lang="de-DE" baseline="0" dirty="0" smtClean="0"/>
-              <a:t>.</a:t>
+              <a:t> Baum und einem gleichen Baum ist deshalb so wichtig, weil sich Änderungen ggf. nur auf einen Beobachter auswirken.</a:t>
             </a:r>
           </a:p>
           <a:p>
@@ -1863,7 +1864,12 @@
             <p:ph type="sldImg"/>
           </p:nvPr>
         </p:nvSpPr>
-        <p:spPr/>
+        <p:spPr>
+          <a:xfrm>
+            <a:off x="685800" y="1143000"/>
+            <a:ext cx="4270375" cy="2401888"/>
+          </a:xfrm>
+        </p:spPr>
       </p:sp>
       <p:sp>
         <p:nvSpPr>
@@ -2666,7 +2672,12 @@
             <p:ph type="sldImg"/>
           </p:nvPr>
         </p:nvSpPr>
-        <p:spPr/>
+        <p:spPr>
+          <a:xfrm>
+            <a:off x="685800" y="1143000"/>
+            <a:ext cx="4270375" cy="2401888"/>
+          </a:xfrm>
+        </p:spPr>
       </p:sp>
       <p:sp>
         <p:nvSpPr>
@@ -2877,9 +2888,9 @@
           <a:bodyPr/>
           <a:lstStyle/>
           <a:p>
-            <a:fld id="{5668DB08-6D5D-4358-AE5C-396FD458C01C}" type="datetime1">
-              <a:rPr lang="de-DE" smtClean="0"/>
-              <a:t>28.02.2018</a:t>
+            <a:fld id="{52960DF1-C604-4681-8D64-8DFC45FEF067}" type="datetime1">
+              <a:rPr lang="de-DE" smtClean="0"/>
+              <a:t>27.03.2018</a:t>
             </a:fld>
             <a:endParaRPr lang="de-DE"/>
           </a:p>
@@ -2900,6 +2911,10 @@
           <a:bodyPr/>
           <a:lstStyle/>
           <a:p>
+            <a:r>
+              <a:rPr lang="de-DE" smtClean="0"/>
+              <a:t>Python: Objektorientierung</a:t>
+            </a:r>
             <a:endParaRPr lang="de-DE"/>
           </a:p>
         </p:txBody>
@@ -3006,9 +3021,9 @@
           <a:bodyPr/>
           <a:lstStyle/>
           <a:p>
-            <a:fld id="{D3B4AE11-6847-4A98-9145-2F7B754CAADC}" type="datetime1">
-              <a:rPr lang="de-DE" smtClean="0"/>
-              <a:t>28.02.2018</a:t>
+            <a:fld id="{8942DB6D-A489-46D1-83D3-A8E63047522F}" type="datetime1">
+              <a:rPr lang="de-DE" smtClean="0"/>
+              <a:t>27.03.2018</a:t>
             </a:fld>
             <a:endParaRPr lang="de-DE"/>
           </a:p>
@@ -3029,6 +3044,10 @@
           <a:bodyPr/>
           <a:lstStyle/>
           <a:p>
+            <a:r>
+              <a:rPr lang="de-DE" smtClean="0"/>
+              <a:t>Python: Objektorientierung</a:t>
+            </a:r>
             <a:endParaRPr lang="de-DE"/>
           </a:p>
         </p:txBody>
@@ -3536,9 +3555,9 @@
           <a:bodyPr/>
           <a:lstStyle/>
           <a:p>
-            <a:fld id="{370BF3C0-B30A-4C1B-8D77-1643351BA654}" type="datetime1">
-              <a:rPr lang="de-DE" smtClean="0"/>
-              <a:t>28.02.2018</a:t>
+            <a:fld id="{FCFD81B2-19DF-48AE-91C7-27F2A36E62E0}" type="datetime1">
+              <a:rPr lang="de-DE" smtClean="0"/>
+              <a:t>27.03.2018</a:t>
             </a:fld>
             <a:endParaRPr lang="de-DE"/>
           </a:p>
@@ -3559,6 +3578,10 @@
           <a:bodyPr/>
           <a:lstStyle/>
           <a:p>
+            <a:r>
+              <a:rPr lang="de-DE" smtClean="0"/>
+              <a:t>Python: Objektorientierung</a:t>
+            </a:r>
             <a:endParaRPr lang="de-DE"/>
           </a:p>
         </p:txBody>
@@ -3713,9 +3736,9 @@
           <a:bodyPr/>
           <a:lstStyle/>
           <a:p>
-            <a:fld id="{D3B4AE11-6847-4A98-9145-2F7B754CAADC}" type="datetime1">
-              <a:rPr lang="de-DE" smtClean="0"/>
-              <a:t>28.02.2018</a:t>
+            <a:fld id="{9F3FC425-175B-4284-A2F8-674122BD43B2}" type="datetime1">
+              <a:rPr lang="de-DE" smtClean="0"/>
+              <a:t>27.03.2018</a:t>
             </a:fld>
             <a:endParaRPr lang="de-DE"/>
           </a:p>
@@ -3736,6 +3759,10 @@
           <a:bodyPr/>
           <a:lstStyle/>
           <a:p>
+            <a:r>
+              <a:rPr lang="de-DE" smtClean="0"/>
+              <a:t>Python: Objektorientierung</a:t>
+            </a:r>
             <a:endParaRPr lang="de-DE"/>
           </a:p>
         </p:txBody>
@@ -3838,9 +3865,9 @@
           <a:bodyPr/>
           <a:lstStyle/>
           <a:p>
-            <a:fld id="{66162358-0BE0-4BA6-ACD2-EEBFB8271CB2}" type="datetime1">
-              <a:rPr lang="de-DE" smtClean="0"/>
-              <a:t>28.02.2018</a:t>
+            <a:fld id="{08668B03-6B76-48DE-813B-2EE11965AC11}" type="datetime1">
+              <a:rPr lang="de-DE" smtClean="0"/>
+              <a:t>27.03.2018</a:t>
             </a:fld>
             <a:endParaRPr lang="de-DE"/>
           </a:p>
@@ -3861,6 +3888,10 @@
           <a:bodyPr/>
           <a:lstStyle/>
           <a:p>
+            <a:r>
+              <a:rPr lang="de-DE" smtClean="0"/>
+              <a:t>Python: Objektorientierung</a:t>
+            </a:r>
             <a:endParaRPr lang="de-DE"/>
           </a:p>
         </p:txBody>
@@ -3940,9 +3971,9 @@
           <a:bodyPr/>
           <a:lstStyle/>
           <a:p>
-            <a:fld id="{1D22AB36-A5A8-4D1A-9D03-02AEA6BC62BE}" type="datetime1">
-              <a:rPr lang="de-DE" smtClean="0"/>
-              <a:t>28.02.2018</a:t>
+            <a:fld id="{E3A848A6-D3FB-48A1-95E1-4AFCAE140D47}" type="datetime1">
+              <a:rPr lang="de-DE" smtClean="0"/>
+              <a:t>27.03.2018</a:t>
             </a:fld>
             <a:endParaRPr lang="de-DE"/>
           </a:p>
@@ -3963,6 +3994,10 @@
           <a:bodyPr/>
           <a:lstStyle/>
           <a:p>
+            <a:r>
+              <a:rPr lang="de-DE" smtClean="0"/>
+              <a:t>Python: Objektorientierung</a:t>
+            </a:r>
             <a:endParaRPr lang="de-DE"/>
           </a:p>
         </p:txBody>
@@ -4069,9 +4104,9 @@
           <a:bodyPr/>
           <a:lstStyle/>
           <a:p>
-            <a:fld id="{66162358-0BE0-4BA6-ACD2-EEBFB8271CB2}" type="datetime1">
-              <a:rPr lang="de-DE" smtClean="0"/>
-              <a:t>28.02.2018</a:t>
+            <a:fld id="{E696C266-A3B5-4869-A7D6-1F9C4BDB5146}" type="datetime1">
+              <a:rPr lang="de-DE" smtClean="0"/>
+              <a:t>27.03.2018</a:t>
             </a:fld>
             <a:endParaRPr lang="de-DE"/>
           </a:p>
@@ -4092,6 +4127,10 @@
           <a:bodyPr/>
           <a:lstStyle/>
           <a:p>
+            <a:r>
+              <a:rPr lang="de-DE" smtClean="0"/>
+              <a:t>Python: Objektorientierung</a:t>
+            </a:r>
             <a:endParaRPr lang="de-DE"/>
           </a:p>
         </p:txBody>
@@ -4222,9 +4261,9 @@
           <a:bodyPr/>
           <a:lstStyle/>
           <a:p>
-            <a:fld id="{66162358-0BE0-4BA6-ACD2-EEBFB8271CB2}" type="datetime1">
-              <a:rPr lang="de-DE" smtClean="0"/>
-              <a:t>28.02.2018</a:t>
+            <a:fld id="{7A6FA804-0D31-4A3C-8E9B-61B5926713A9}" type="datetime1">
+              <a:rPr lang="de-DE" smtClean="0"/>
+              <a:t>27.03.2018</a:t>
             </a:fld>
             <a:endParaRPr lang="de-DE"/>
           </a:p>
@@ -4245,6 +4284,10 @@
           <a:bodyPr/>
           <a:lstStyle/>
           <a:p>
+            <a:r>
+              <a:rPr lang="de-DE" smtClean="0"/>
+              <a:t>Python: Objektorientierung</a:t>
+            </a:r>
             <a:endParaRPr lang="de-DE"/>
           </a:p>
         </p:txBody>
@@ -4427,9 +4470,9 @@
           <a:bodyPr/>
           <a:lstStyle/>
           <a:p>
-            <a:fld id="{D3B4AE11-6847-4A98-9145-2F7B754CAADC}" type="datetime1">
-              <a:rPr lang="de-DE" smtClean="0"/>
-              <a:t>28.02.2018</a:t>
+            <a:fld id="{2601A7AD-F5C7-4B32-9ADD-3690F8E6D474}" type="datetime1">
+              <a:rPr lang="de-DE" smtClean="0"/>
+              <a:t>27.03.2018</a:t>
             </a:fld>
             <a:endParaRPr lang="de-DE"/>
           </a:p>
@@ -4450,6 +4493,10 @@
           <a:bodyPr/>
           <a:lstStyle/>
           <a:p>
+            <a:r>
+              <a:rPr lang="de-DE" smtClean="0"/>
+              <a:t>Python: Objektorientierung</a:t>
+            </a:r>
             <a:endParaRPr lang="de-DE"/>
           </a:p>
         </p:txBody>
@@ -4632,9 +4679,9 @@
           <a:bodyPr/>
           <a:lstStyle/>
           <a:p>
-            <a:fld id="{D3B4AE11-6847-4A98-9145-2F7B754CAADC}" type="datetime1">
-              <a:rPr lang="de-DE" smtClean="0"/>
-              <a:t>28.02.2018</a:t>
+            <a:fld id="{677594E2-0925-4D25-98DF-4152C5BFF20B}" type="datetime1">
+              <a:rPr lang="de-DE" smtClean="0"/>
+              <a:t>27.03.2018</a:t>
             </a:fld>
             <a:endParaRPr lang="de-DE"/>
           </a:p>
@@ -4655,6 +4702,10 @@
           <a:bodyPr/>
           <a:lstStyle/>
           <a:p>
+            <a:r>
+              <a:rPr lang="de-DE" smtClean="0"/>
+              <a:t>Python: Objektorientierung</a:t>
+            </a:r>
             <a:endParaRPr lang="de-DE"/>
           </a:p>
         </p:txBody>
@@ -5053,9 +5104,9 @@
             </a:lvl1pPr>
           </a:lstStyle>
           <a:p>
-            <a:fld id="{41B3E432-A8CC-4748-A6DA-9139F488DEFA}" type="datetime1">
-              <a:rPr lang="de-DE" smtClean="0"/>
-              <a:t>28.02.2018</a:t>
+            <a:fld id="{9704B232-EA83-480C-9DE8-A82771CCD238}" type="datetime1">
+              <a:rPr lang="de-DE" smtClean="0"/>
+              <a:t>27.03.2018</a:t>
             </a:fld>
             <a:endParaRPr lang="de-DE" dirty="0"/>
           </a:p>
@@ -5096,6 +5147,10 @@
             </a:lvl1pPr>
           </a:lstStyle>
           <a:p>
+            <a:r>
+              <a:rPr lang="de-DE" smtClean="0"/>
+              <a:t>Python: Objektorientierung</a:t>
+            </a:r>
             <a:endParaRPr lang="de-DE" dirty="0"/>
           </a:p>
         </p:txBody>
@@ -5633,9 +5688,9 @@
             </a:lvl1pPr>
           </a:lstStyle>
           <a:p>
-            <a:fld id="{8133AAB3-7E43-4D18-9687-C9B86796928A}" type="datetime1">
-              <a:rPr lang="de-DE" smtClean="0"/>
-              <a:t>28.02.2018</a:t>
+            <a:fld id="{A5046739-08A4-4999-85F3-3D3B28333F59}" type="datetime1">
+              <a:rPr lang="de-DE" smtClean="0"/>
+              <a:t>27.03.2018</a:t>
             </a:fld>
             <a:endParaRPr lang="de-DE" dirty="0"/>
           </a:p>
@@ -5676,6 +5731,10 @@
             </a:lvl1pPr>
           </a:lstStyle>
           <a:p>
+            <a:r>
+              <a:rPr lang="de-DE" smtClean="0"/>
+              <a:t>Python: Objektorientierung</a:t>
+            </a:r>
             <a:endParaRPr lang="de-DE" dirty="0"/>
           </a:p>
         </p:txBody>
@@ -6229,7 +6288,7 @@
           <a:p>
             <a:r>
               <a:rPr lang="de-DE" dirty="0" smtClean="0"/>
-              <a:t>Python (erweitert)</a:t>
+              <a:t>Python: Objektorientierung</a:t>
             </a:r>
             <a:endParaRPr lang="de-DE" dirty="0"/>
           </a:p>
@@ -6250,7 +6309,7 @@
           <a:bodyPr/>
           <a:lstStyle/>
           <a:p>
-            <a:endParaRPr lang="de-DE"/>
+            <a:endParaRPr lang="de-DE" dirty="0"/>
           </a:p>
         </p:txBody>
       </p:sp>
@@ -6269,9 +6328,9 @@
           <a:bodyPr/>
           <a:lstStyle/>
           <a:p>
-            <a:fld id="{F2482ABC-DB64-4C92-ABD6-EA2277CE154E}" type="datetime1">
-              <a:rPr lang="de-DE" smtClean="0"/>
-              <a:t>28.02.2018</a:t>
+            <a:fld id="{4F15310C-5402-4043-8BFB-9A0D427AEB83}" type="datetime1">
+              <a:rPr lang="de-DE" smtClean="0"/>
+              <a:t>27.03.2018</a:t>
             </a:fld>
             <a:endParaRPr lang="de-DE"/>
           </a:p>
@@ -6292,6 +6351,10 @@
           <a:bodyPr/>
           <a:lstStyle/>
           <a:p>
+            <a:r>
+              <a:rPr lang="de-DE" smtClean="0"/>
+              <a:t>Python: Objektorientierung</a:t>
+            </a:r>
             <a:endParaRPr lang="de-DE"/>
           </a:p>
         </p:txBody>
@@ -7374,6 +7437,75 @@
           </a:prstGeom>
         </p:spPr>
       </p:pic>
+      <p:sp>
+        <p:nvSpPr>
+          <p:cNvPr id="2" name="Datumsplatzhalter 1"/>
+          <p:cNvSpPr>
+            <a:spLocks noGrp="1"/>
+          </p:cNvSpPr>
+          <p:nvPr>
+            <p:ph type="dt" sz="half" idx="10"/>
+          </p:nvPr>
+        </p:nvSpPr>
+        <p:spPr/>
+        <p:txBody>
+          <a:bodyPr/>
+          <a:lstStyle/>
+          <a:p>
+            <a:fld id="{D6281ADD-A8ED-43D0-B596-3502E6BC653A}" type="datetime1">
+              <a:rPr lang="de-DE" smtClean="0"/>
+              <a:t>27.03.2018</a:t>
+            </a:fld>
+            <a:endParaRPr lang="de-DE"/>
+          </a:p>
+        </p:txBody>
+      </p:sp>
+      <p:sp>
+        <p:nvSpPr>
+          <p:cNvPr id="3" name="Fußzeilenplatzhalter 2"/>
+          <p:cNvSpPr>
+            <a:spLocks noGrp="1"/>
+          </p:cNvSpPr>
+          <p:nvPr>
+            <p:ph type="ftr" sz="quarter" idx="11"/>
+          </p:nvPr>
+        </p:nvSpPr>
+        <p:spPr/>
+        <p:txBody>
+          <a:bodyPr/>
+          <a:lstStyle/>
+          <a:p>
+            <a:r>
+              <a:rPr lang="de-DE" smtClean="0"/>
+              <a:t>Python: Objektorientierung</a:t>
+            </a:r>
+            <a:endParaRPr lang="de-DE"/>
+          </a:p>
+        </p:txBody>
+      </p:sp>
+      <p:sp>
+        <p:nvSpPr>
+          <p:cNvPr id="5" name="Foliennummernplatzhalter 4"/>
+          <p:cNvSpPr>
+            <a:spLocks noGrp="1"/>
+          </p:cNvSpPr>
+          <p:nvPr>
+            <p:ph type="sldNum" sz="quarter" idx="12"/>
+          </p:nvPr>
+        </p:nvSpPr>
+        <p:spPr/>
+        <p:txBody>
+          <a:bodyPr/>
+          <a:lstStyle/>
+          <a:p>
+            <a:fld id="{3A1F27E2-D58A-4028-9FF2-B12D897F257E}" type="slidenum">
+              <a:rPr lang="de-DE" smtClean="0"/>
+              <a:t>10</a:t>
+            </a:fld>
+            <a:endParaRPr lang="de-DE"/>
+          </a:p>
+        </p:txBody>
+      </p:sp>
     </p:spTree>
     <p:extLst>
       <p:ext uri="{BB962C8B-B14F-4D97-AF65-F5344CB8AC3E}">
@@ -7772,6 +7904,75 @@
           </a:p>
         </p:txBody>
       </p:sp>
+      <p:sp>
+        <p:nvSpPr>
+          <p:cNvPr id="2" name="Datumsplatzhalter 1"/>
+          <p:cNvSpPr>
+            <a:spLocks noGrp="1"/>
+          </p:cNvSpPr>
+          <p:nvPr>
+            <p:ph type="dt" sz="half" idx="10"/>
+          </p:nvPr>
+        </p:nvSpPr>
+        <p:spPr/>
+        <p:txBody>
+          <a:bodyPr/>
+          <a:lstStyle/>
+          <a:p>
+            <a:fld id="{D533DD90-6A82-4C52-90D3-B5281BA0D478}" type="datetime1">
+              <a:rPr lang="de-DE" smtClean="0"/>
+              <a:t>27.03.2018</a:t>
+            </a:fld>
+            <a:endParaRPr lang="de-DE"/>
+          </a:p>
+        </p:txBody>
+      </p:sp>
+      <p:sp>
+        <p:nvSpPr>
+          <p:cNvPr id="3" name="Fußzeilenplatzhalter 2"/>
+          <p:cNvSpPr>
+            <a:spLocks noGrp="1"/>
+          </p:cNvSpPr>
+          <p:nvPr>
+            <p:ph type="ftr" sz="quarter" idx="11"/>
+          </p:nvPr>
+        </p:nvSpPr>
+        <p:spPr/>
+        <p:txBody>
+          <a:bodyPr/>
+          <a:lstStyle/>
+          <a:p>
+            <a:r>
+              <a:rPr lang="de-DE" smtClean="0"/>
+              <a:t>Python: Objektorientierung</a:t>
+            </a:r>
+            <a:endParaRPr lang="de-DE"/>
+          </a:p>
+        </p:txBody>
+      </p:sp>
+      <p:sp>
+        <p:nvSpPr>
+          <p:cNvPr id="4" name="Foliennummernplatzhalter 3"/>
+          <p:cNvSpPr>
+            <a:spLocks noGrp="1"/>
+          </p:cNvSpPr>
+          <p:nvPr>
+            <p:ph type="sldNum" sz="quarter" idx="12"/>
+          </p:nvPr>
+        </p:nvSpPr>
+        <p:spPr/>
+        <p:txBody>
+          <a:bodyPr/>
+          <a:lstStyle/>
+          <a:p>
+            <a:fld id="{3A1F27E2-D58A-4028-9FF2-B12D897F257E}" type="slidenum">
+              <a:rPr lang="de-DE" smtClean="0"/>
+              <a:t>11</a:t>
+            </a:fld>
+            <a:endParaRPr lang="de-DE"/>
+          </a:p>
+        </p:txBody>
+      </p:sp>
     </p:spTree>
     <p:extLst>
       <p:ext uri="{BB962C8B-B14F-4D97-AF65-F5344CB8AC3E}">
@@ -7931,6 +8132,75 @@
           </a:p>
         </p:txBody>
       </p:sp>
+      <p:sp>
+        <p:nvSpPr>
+          <p:cNvPr id="2" name="Datumsplatzhalter 1"/>
+          <p:cNvSpPr>
+            <a:spLocks noGrp="1"/>
+          </p:cNvSpPr>
+          <p:nvPr>
+            <p:ph type="dt" sz="half" idx="10"/>
+          </p:nvPr>
+        </p:nvSpPr>
+        <p:spPr/>
+        <p:txBody>
+          <a:bodyPr/>
+          <a:lstStyle/>
+          <a:p>
+            <a:fld id="{BA5FC754-D7CB-4A47-BCBC-4CAE8305570C}" type="datetime1">
+              <a:rPr lang="de-DE" smtClean="0"/>
+              <a:t>27.03.2018</a:t>
+            </a:fld>
+            <a:endParaRPr lang="de-DE"/>
+          </a:p>
+        </p:txBody>
+      </p:sp>
+      <p:sp>
+        <p:nvSpPr>
+          <p:cNvPr id="3" name="Fußzeilenplatzhalter 2"/>
+          <p:cNvSpPr>
+            <a:spLocks noGrp="1"/>
+          </p:cNvSpPr>
+          <p:nvPr>
+            <p:ph type="ftr" sz="quarter" idx="11"/>
+          </p:nvPr>
+        </p:nvSpPr>
+        <p:spPr/>
+        <p:txBody>
+          <a:bodyPr/>
+          <a:lstStyle/>
+          <a:p>
+            <a:r>
+              <a:rPr lang="de-DE" smtClean="0"/>
+              <a:t>Python: Objektorientierung</a:t>
+            </a:r>
+            <a:endParaRPr lang="de-DE"/>
+          </a:p>
+        </p:txBody>
+      </p:sp>
+      <p:sp>
+        <p:nvSpPr>
+          <p:cNvPr id="4" name="Foliennummernplatzhalter 3"/>
+          <p:cNvSpPr>
+            <a:spLocks noGrp="1"/>
+          </p:cNvSpPr>
+          <p:nvPr>
+            <p:ph type="sldNum" sz="quarter" idx="12"/>
+          </p:nvPr>
+        </p:nvSpPr>
+        <p:spPr/>
+        <p:txBody>
+          <a:bodyPr/>
+          <a:lstStyle/>
+          <a:p>
+            <a:fld id="{3A1F27E2-D58A-4028-9FF2-B12D897F257E}" type="slidenum">
+              <a:rPr lang="de-DE" smtClean="0"/>
+              <a:t>12</a:t>
+            </a:fld>
+            <a:endParaRPr lang="de-DE"/>
+          </a:p>
+        </p:txBody>
+      </p:sp>
     </p:spTree>
     <p:extLst>
       <p:ext uri="{BB962C8B-B14F-4D97-AF65-F5344CB8AC3E}">
@@ -8074,6 +8344,75 @@
           </a:p>
         </p:txBody>
       </p:sp>
+      <p:sp>
+        <p:nvSpPr>
+          <p:cNvPr id="2" name="Datumsplatzhalter 1"/>
+          <p:cNvSpPr>
+            <a:spLocks noGrp="1"/>
+          </p:cNvSpPr>
+          <p:nvPr>
+            <p:ph type="dt" sz="half" idx="10"/>
+          </p:nvPr>
+        </p:nvSpPr>
+        <p:spPr/>
+        <p:txBody>
+          <a:bodyPr/>
+          <a:lstStyle/>
+          <a:p>
+            <a:fld id="{C16EDAF7-413B-4565-905F-0084D2C11910}" type="datetime1">
+              <a:rPr lang="de-DE" smtClean="0"/>
+              <a:t>27.03.2018</a:t>
+            </a:fld>
+            <a:endParaRPr lang="de-DE"/>
+          </a:p>
+        </p:txBody>
+      </p:sp>
+      <p:sp>
+        <p:nvSpPr>
+          <p:cNvPr id="3" name="Fußzeilenplatzhalter 2"/>
+          <p:cNvSpPr>
+            <a:spLocks noGrp="1"/>
+          </p:cNvSpPr>
+          <p:nvPr>
+            <p:ph type="ftr" sz="quarter" idx="11"/>
+          </p:nvPr>
+        </p:nvSpPr>
+        <p:spPr/>
+        <p:txBody>
+          <a:bodyPr/>
+          <a:lstStyle/>
+          <a:p>
+            <a:r>
+              <a:rPr lang="de-DE" smtClean="0"/>
+              <a:t>Python: Objektorientierung</a:t>
+            </a:r>
+            <a:endParaRPr lang="de-DE"/>
+          </a:p>
+        </p:txBody>
+      </p:sp>
+      <p:sp>
+        <p:nvSpPr>
+          <p:cNvPr id="4" name="Foliennummernplatzhalter 3"/>
+          <p:cNvSpPr>
+            <a:spLocks noGrp="1"/>
+          </p:cNvSpPr>
+          <p:nvPr>
+            <p:ph type="sldNum" sz="quarter" idx="12"/>
+          </p:nvPr>
+        </p:nvSpPr>
+        <p:spPr/>
+        <p:txBody>
+          <a:bodyPr/>
+          <a:lstStyle/>
+          <a:p>
+            <a:fld id="{3A1F27E2-D58A-4028-9FF2-B12D897F257E}" type="slidenum">
+              <a:rPr lang="de-DE" smtClean="0"/>
+              <a:t>13</a:t>
+            </a:fld>
+            <a:endParaRPr lang="de-DE"/>
+          </a:p>
+        </p:txBody>
+      </p:sp>
     </p:spTree>
     <p:extLst>
       <p:ext uri="{BB962C8B-B14F-4D97-AF65-F5344CB8AC3E}">
@@ -8213,6 +8552,75 @@
           </a:p>
         </p:txBody>
       </p:sp>
+      <p:sp>
+        <p:nvSpPr>
+          <p:cNvPr id="2" name="Datumsplatzhalter 1"/>
+          <p:cNvSpPr>
+            <a:spLocks noGrp="1"/>
+          </p:cNvSpPr>
+          <p:nvPr>
+            <p:ph type="dt" sz="half" idx="10"/>
+          </p:nvPr>
+        </p:nvSpPr>
+        <p:spPr/>
+        <p:txBody>
+          <a:bodyPr/>
+          <a:lstStyle/>
+          <a:p>
+            <a:fld id="{836EDA39-DDAF-4F9E-B374-AA0AD5204EF0}" type="datetime1">
+              <a:rPr lang="de-DE" smtClean="0"/>
+              <a:t>27.03.2018</a:t>
+            </a:fld>
+            <a:endParaRPr lang="de-DE"/>
+          </a:p>
+        </p:txBody>
+      </p:sp>
+      <p:sp>
+        <p:nvSpPr>
+          <p:cNvPr id="3" name="Fußzeilenplatzhalter 2"/>
+          <p:cNvSpPr>
+            <a:spLocks noGrp="1"/>
+          </p:cNvSpPr>
+          <p:nvPr>
+            <p:ph type="ftr" sz="quarter" idx="11"/>
+          </p:nvPr>
+        </p:nvSpPr>
+        <p:spPr/>
+        <p:txBody>
+          <a:bodyPr/>
+          <a:lstStyle/>
+          <a:p>
+            <a:r>
+              <a:rPr lang="de-DE" smtClean="0"/>
+              <a:t>Python: Objektorientierung</a:t>
+            </a:r>
+            <a:endParaRPr lang="de-DE"/>
+          </a:p>
+        </p:txBody>
+      </p:sp>
+      <p:sp>
+        <p:nvSpPr>
+          <p:cNvPr id="4" name="Foliennummernplatzhalter 3"/>
+          <p:cNvSpPr>
+            <a:spLocks noGrp="1"/>
+          </p:cNvSpPr>
+          <p:nvPr>
+            <p:ph type="sldNum" sz="quarter" idx="12"/>
+          </p:nvPr>
+        </p:nvSpPr>
+        <p:spPr/>
+        <p:txBody>
+          <a:bodyPr/>
+          <a:lstStyle/>
+          <a:p>
+            <a:fld id="{3A1F27E2-D58A-4028-9FF2-B12D897F257E}" type="slidenum">
+              <a:rPr lang="de-DE" smtClean="0"/>
+              <a:t>14</a:t>
+            </a:fld>
+            <a:endParaRPr lang="de-DE"/>
+          </a:p>
+        </p:txBody>
+      </p:sp>
     </p:spTree>
     <p:extLst>
       <p:ext uri="{BB962C8B-B14F-4D97-AF65-F5344CB8AC3E}">
@@ -8587,6 +8995,75 @@
           </a:p>
         </p:txBody>
       </p:sp>
+      <p:sp>
+        <p:nvSpPr>
+          <p:cNvPr id="2" name="Datumsplatzhalter 1"/>
+          <p:cNvSpPr>
+            <a:spLocks noGrp="1"/>
+          </p:cNvSpPr>
+          <p:nvPr>
+            <p:ph type="dt" sz="half" idx="10"/>
+          </p:nvPr>
+        </p:nvSpPr>
+        <p:spPr/>
+        <p:txBody>
+          <a:bodyPr/>
+          <a:lstStyle/>
+          <a:p>
+            <a:fld id="{1D1090C6-DCEF-40B2-8E43-D63B9D026C61}" type="datetime1">
+              <a:rPr lang="de-DE" smtClean="0"/>
+              <a:t>27.03.2018</a:t>
+            </a:fld>
+            <a:endParaRPr lang="de-DE"/>
+          </a:p>
+        </p:txBody>
+      </p:sp>
+      <p:sp>
+        <p:nvSpPr>
+          <p:cNvPr id="3" name="Fußzeilenplatzhalter 2"/>
+          <p:cNvSpPr>
+            <a:spLocks noGrp="1"/>
+          </p:cNvSpPr>
+          <p:nvPr>
+            <p:ph type="ftr" sz="quarter" idx="11"/>
+          </p:nvPr>
+        </p:nvSpPr>
+        <p:spPr/>
+        <p:txBody>
+          <a:bodyPr/>
+          <a:lstStyle/>
+          <a:p>
+            <a:r>
+              <a:rPr lang="de-DE" smtClean="0"/>
+              <a:t>Python: Objektorientierung</a:t>
+            </a:r>
+            <a:endParaRPr lang="de-DE"/>
+          </a:p>
+        </p:txBody>
+      </p:sp>
+      <p:sp>
+        <p:nvSpPr>
+          <p:cNvPr id="4" name="Foliennummernplatzhalter 3"/>
+          <p:cNvSpPr>
+            <a:spLocks noGrp="1"/>
+          </p:cNvSpPr>
+          <p:nvPr>
+            <p:ph type="sldNum" sz="quarter" idx="12"/>
+          </p:nvPr>
+        </p:nvSpPr>
+        <p:spPr/>
+        <p:txBody>
+          <a:bodyPr/>
+          <a:lstStyle/>
+          <a:p>
+            <a:fld id="{3A1F27E2-D58A-4028-9FF2-B12D897F257E}" type="slidenum">
+              <a:rPr lang="de-DE" smtClean="0"/>
+              <a:t>15</a:t>
+            </a:fld>
+            <a:endParaRPr lang="de-DE"/>
+          </a:p>
+        </p:txBody>
+      </p:sp>
     </p:spTree>
     <p:extLst>
       <p:ext uri="{BB962C8B-B14F-4D97-AF65-F5344CB8AC3E}">
@@ -8851,6 +9328,75 @@
           </a:p>
         </p:txBody>
       </p:sp>
+      <p:sp>
+        <p:nvSpPr>
+          <p:cNvPr id="2" name="Datumsplatzhalter 1"/>
+          <p:cNvSpPr>
+            <a:spLocks noGrp="1"/>
+          </p:cNvSpPr>
+          <p:nvPr>
+            <p:ph type="dt" sz="half" idx="10"/>
+          </p:nvPr>
+        </p:nvSpPr>
+        <p:spPr/>
+        <p:txBody>
+          <a:bodyPr/>
+          <a:lstStyle/>
+          <a:p>
+            <a:fld id="{51BD4E96-8BAE-4DAF-8071-1DA561FF40EB}" type="datetime1">
+              <a:rPr lang="de-DE" smtClean="0"/>
+              <a:t>27.03.2018</a:t>
+            </a:fld>
+            <a:endParaRPr lang="de-DE"/>
+          </a:p>
+        </p:txBody>
+      </p:sp>
+      <p:sp>
+        <p:nvSpPr>
+          <p:cNvPr id="3" name="Fußzeilenplatzhalter 2"/>
+          <p:cNvSpPr>
+            <a:spLocks noGrp="1"/>
+          </p:cNvSpPr>
+          <p:nvPr>
+            <p:ph type="ftr" sz="quarter" idx="11"/>
+          </p:nvPr>
+        </p:nvSpPr>
+        <p:spPr/>
+        <p:txBody>
+          <a:bodyPr/>
+          <a:lstStyle/>
+          <a:p>
+            <a:r>
+              <a:rPr lang="de-DE" smtClean="0"/>
+              <a:t>Python: Objektorientierung</a:t>
+            </a:r>
+            <a:endParaRPr lang="de-DE"/>
+          </a:p>
+        </p:txBody>
+      </p:sp>
+      <p:sp>
+        <p:nvSpPr>
+          <p:cNvPr id="4" name="Foliennummernplatzhalter 3"/>
+          <p:cNvSpPr>
+            <a:spLocks noGrp="1"/>
+          </p:cNvSpPr>
+          <p:nvPr>
+            <p:ph type="sldNum" sz="quarter" idx="12"/>
+          </p:nvPr>
+        </p:nvSpPr>
+        <p:spPr/>
+        <p:txBody>
+          <a:bodyPr/>
+          <a:lstStyle/>
+          <a:p>
+            <a:fld id="{3A1F27E2-D58A-4028-9FF2-B12D897F257E}" type="slidenum">
+              <a:rPr lang="de-DE" smtClean="0"/>
+              <a:t>16</a:t>
+            </a:fld>
+            <a:endParaRPr lang="de-DE"/>
+          </a:p>
+        </p:txBody>
+      </p:sp>
     </p:spTree>
     <p:extLst>
       <p:ext uri="{BB962C8B-B14F-4D97-AF65-F5344CB8AC3E}">
@@ -9137,6 +9683,75 @@
           </a:p>
         </p:txBody>
       </p:sp>
+      <p:sp>
+        <p:nvSpPr>
+          <p:cNvPr id="2" name="Datumsplatzhalter 1"/>
+          <p:cNvSpPr>
+            <a:spLocks noGrp="1"/>
+          </p:cNvSpPr>
+          <p:nvPr>
+            <p:ph type="dt" sz="half" idx="10"/>
+          </p:nvPr>
+        </p:nvSpPr>
+        <p:spPr/>
+        <p:txBody>
+          <a:bodyPr/>
+          <a:lstStyle/>
+          <a:p>
+            <a:fld id="{86F2B21B-87FC-4A15-A68B-4A6834C11552}" type="datetime1">
+              <a:rPr lang="de-DE" smtClean="0"/>
+              <a:t>27.03.2018</a:t>
+            </a:fld>
+            <a:endParaRPr lang="de-DE"/>
+          </a:p>
+        </p:txBody>
+      </p:sp>
+      <p:sp>
+        <p:nvSpPr>
+          <p:cNvPr id="3" name="Fußzeilenplatzhalter 2"/>
+          <p:cNvSpPr>
+            <a:spLocks noGrp="1"/>
+          </p:cNvSpPr>
+          <p:nvPr>
+            <p:ph type="ftr" sz="quarter" idx="11"/>
+          </p:nvPr>
+        </p:nvSpPr>
+        <p:spPr/>
+        <p:txBody>
+          <a:bodyPr/>
+          <a:lstStyle/>
+          <a:p>
+            <a:r>
+              <a:rPr lang="de-DE" smtClean="0"/>
+              <a:t>Python: Objektorientierung</a:t>
+            </a:r>
+            <a:endParaRPr lang="de-DE"/>
+          </a:p>
+        </p:txBody>
+      </p:sp>
+      <p:sp>
+        <p:nvSpPr>
+          <p:cNvPr id="4" name="Foliennummernplatzhalter 3"/>
+          <p:cNvSpPr>
+            <a:spLocks noGrp="1"/>
+          </p:cNvSpPr>
+          <p:nvPr>
+            <p:ph type="sldNum" sz="quarter" idx="12"/>
+          </p:nvPr>
+        </p:nvSpPr>
+        <p:spPr/>
+        <p:txBody>
+          <a:bodyPr/>
+          <a:lstStyle/>
+          <a:p>
+            <a:fld id="{3A1F27E2-D58A-4028-9FF2-B12D897F257E}" type="slidenum">
+              <a:rPr lang="de-DE" smtClean="0"/>
+              <a:t>17</a:t>
+            </a:fld>
+            <a:endParaRPr lang="de-DE"/>
+          </a:p>
+        </p:txBody>
+      </p:sp>
     </p:spTree>
     <p:extLst>
       <p:ext uri="{BB962C8B-B14F-4D97-AF65-F5344CB8AC3E}">
@@ -9414,6 +10029,75 @@
           </a:p>
         </p:txBody>
       </p:sp>
+      <p:sp>
+        <p:nvSpPr>
+          <p:cNvPr id="2" name="Datumsplatzhalter 1"/>
+          <p:cNvSpPr>
+            <a:spLocks noGrp="1"/>
+          </p:cNvSpPr>
+          <p:nvPr>
+            <p:ph type="dt" sz="half" idx="10"/>
+          </p:nvPr>
+        </p:nvSpPr>
+        <p:spPr/>
+        <p:txBody>
+          <a:bodyPr/>
+          <a:lstStyle/>
+          <a:p>
+            <a:fld id="{7B0E1360-5AF8-4720-BCF6-E80EEE93CC2F}" type="datetime1">
+              <a:rPr lang="de-DE" smtClean="0"/>
+              <a:t>27.03.2018</a:t>
+            </a:fld>
+            <a:endParaRPr lang="de-DE"/>
+          </a:p>
+        </p:txBody>
+      </p:sp>
+      <p:sp>
+        <p:nvSpPr>
+          <p:cNvPr id="3" name="Fußzeilenplatzhalter 2"/>
+          <p:cNvSpPr>
+            <a:spLocks noGrp="1"/>
+          </p:cNvSpPr>
+          <p:nvPr>
+            <p:ph type="ftr" sz="quarter" idx="11"/>
+          </p:nvPr>
+        </p:nvSpPr>
+        <p:spPr/>
+        <p:txBody>
+          <a:bodyPr/>
+          <a:lstStyle/>
+          <a:p>
+            <a:r>
+              <a:rPr lang="de-DE" smtClean="0"/>
+              <a:t>Python: Objektorientierung</a:t>
+            </a:r>
+            <a:endParaRPr lang="de-DE"/>
+          </a:p>
+        </p:txBody>
+      </p:sp>
+      <p:sp>
+        <p:nvSpPr>
+          <p:cNvPr id="4" name="Foliennummernplatzhalter 3"/>
+          <p:cNvSpPr>
+            <a:spLocks noGrp="1"/>
+          </p:cNvSpPr>
+          <p:nvPr>
+            <p:ph type="sldNum" sz="quarter" idx="12"/>
+          </p:nvPr>
+        </p:nvSpPr>
+        <p:spPr/>
+        <p:txBody>
+          <a:bodyPr/>
+          <a:lstStyle/>
+          <a:p>
+            <a:fld id="{3A1F27E2-D58A-4028-9FF2-B12D897F257E}" type="slidenum">
+              <a:rPr lang="de-DE" smtClean="0"/>
+              <a:t>18</a:t>
+            </a:fld>
+            <a:endParaRPr lang="de-DE"/>
+          </a:p>
+        </p:txBody>
+      </p:sp>
     </p:spTree>
     <p:extLst>
       <p:ext uri="{BB962C8B-B14F-4D97-AF65-F5344CB8AC3E}">
@@ -9576,6 +10260,75 @@
           </a:prstGeom>
         </p:spPr>
       </p:pic>
+      <p:sp>
+        <p:nvSpPr>
+          <p:cNvPr id="5" name="Datumsplatzhalter 4"/>
+          <p:cNvSpPr>
+            <a:spLocks noGrp="1"/>
+          </p:cNvSpPr>
+          <p:nvPr>
+            <p:ph type="dt" sz="half" idx="10"/>
+          </p:nvPr>
+        </p:nvSpPr>
+        <p:spPr/>
+        <p:txBody>
+          <a:bodyPr/>
+          <a:lstStyle/>
+          <a:p>
+            <a:fld id="{A8A5DAB3-5C06-4274-B292-7380000A5E1E}" type="datetime1">
+              <a:rPr lang="de-DE" smtClean="0"/>
+              <a:t>27.03.2018</a:t>
+            </a:fld>
+            <a:endParaRPr lang="de-DE"/>
+          </a:p>
+        </p:txBody>
+      </p:sp>
+      <p:sp>
+        <p:nvSpPr>
+          <p:cNvPr id="6" name="Fußzeilenplatzhalter 5"/>
+          <p:cNvSpPr>
+            <a:spLocks noGrp="1"/>
+          </p:cNvSpPr>
+          <p:nvPr>
+            <p:ph type="ftr" sz="quarter" idx="11"/>
+          </p:nvPr>
+        </p:nvSpPr>
+        <p:spPr/>
+        <p:txBody>
+          <a:bodyPr/>
+          <a:lstStyle/>
+          <a:p>
+            <a:r>
+              <a:rPr lang="de-DE" smtClean="0"/>
+              <a:t>Python: Objektorientierung</a:t>
+            </a:r>
+            <a:endParaRPr lang="de-DE"/>
+          </a:p>
+        </p:txBody>
+      </p:sp>
+      <p:sp>
+        <p:nvSpPr>
+          <p:cNvPr id="7" name="Foliennummernplatzhalter 6"/>
+          <p:cNvSpPr>
+            <a:spLocks noGrp="1"/>
+          </p:cNvSpPr>
+          <p:nvPr>
+            <p:ph type="sldNum" sz="quarter" idx="12"/>
+          </p:nvPr>
+        </p:nvSpPr>
+        <p:spPr/>
+        <p:txBody>
+          <a:bodyPr/>
+          <a:lstStyle/>
+          <a:p>
+            <a:fld id="{3A1F27E2-D58A-4028-9FF2-B12D897F257E}" type="slidenum">
+              <a:rPr lang="de-DE" smtClean="0"/>
+              <a:t>19</a:t>
+            </a:fld>
+            <a:endParaRPr lang="de-DE"/>
+          </a:p>
+        </p:txBody>
+      </p:sp>
     </p:spTree>
     <p:extLst>
       <p:ext uri="{BB962C8B-B14F-4D97-AF65-F5344CB8AC3E}">
@@ -9707,9 +10460,9 @@
           <a:bodyPr/>
           <a:lstStyle/>
           <a:p>
-            <a:fld id="{905A4CF4-35CC-4668-96ED-1D8C985AD6DE}" type="datetime1">
-              <a:rPr lang="de-DE" smtClean="0"/>
-              <a:t>28.02.2018</a:t>
+            <a:fld id="{802D202D-0CB6-4164-A122-ECEBB86AC0F3}" type="datetime1">
+              <a:rPr lang="de-DE" smtClean="0"/>
+              <a:t>27.03.2018</a:t>
             </a:fld>
             <a:endParaRPr lang="de-DE"/>
           </a:p>
@@ -9730,6 +10483,10 @@
           <a:bodyPr/>
           <a:lstStyle/>
           <a:p>
+            <a:r>
+              <a:rPr lang="de-DE" smtClean="0"/>
+              <a:t>Python: Objektorientierung</a:t>
+            </a:r>
             <a:endParaRPr lang="de-DE"/>
           </a:p>
         </p:txBody>
@@ -9905,6 +10662,75 @@
           </a:prstGeom>
         </p:spPr>
       </p:pic>
+      <p:sp>
+        <p:nvSpPr>
+          <p:cNvPr id="3" name="Datumsplatzhalter 2"/>
+          <p:cNvSpPr>
+            <a:spLocks noGrp="1"/>
+          </p:cNvSpPr>
+          <p:nvPr>
+            <p:ph type="dt" sz="half" idx="10"/>
+          </p:nvPr>
+        </p:nvSpPr>
+        <p:spPr/>
+        <p:txBody>
+          <a:bodyPr/>
+          <a:lstStyle/>
+          <a:p>
+            <a:fld id="{D9426A3D-BD37-4C12-ACFB-F2FA31850249}" type="datetime1">
+              <a:rPr lang="de-DE" smtClean="0"/>
+              <a:t>27.03.2018</a:t>
+            </a:fld>
+            <a:endParaRPr lang="de-DE"/>
+          </a:p>
+        </p:txBody>
+      </p:sp>
+      <p:sp>
+        <p:nvSpPr>
+          <p:cNvPr id="6" name="Fußzeilenplatzhalter 5"/>
+          <p:cNvSpPr>
+            <a:spLocks noGrp="1"/>
+          </p:cNvSpPr>
+          <p:nvPr>
+            <p:ph type="ftr" sz="quarter" idx="11"/>
+          </p:nvPr>
+        </p:nvSpPr>
+        <p:spPr/>
+        <p:txBody>
+          <a:bodyPr/>
+          <a:lstStyle/>
+          <a:p>
+            <a:r>
+              <a:rPr lang="de-DE" smtClean="0"/>
+              <a:t>Python: Objektorientierung</a:t>
+            </a:r>
+            <a:endParaRPr lang="de-DE"/>
+          </a:p>
+        </p:txBody>
+      </p:sp>
+      <p:sp>
+        <p:nvSpPr>
+          <p:cNvPr id="7" name="Foliennummernplatzhalter 6"/>
+          <p:cNvSpPr>
+            <a:spLocks noGrp="1"/>
+          </p:cNvSpPr>
+          <p:nvPr>
+            <p:ph type="sldNum" sz="quarter" idx="12"/>
+          </p:nvPr>
+        </p:nvSpPr>
+        <p:spPr/>
+        <p:txBody>
+          <a:bodyPr/>
+          <a:lstStyle/>
+          <a:p>
+            <a:fld id="{3A1F27E2-D58A-4028-9FF2-B12D897F257E}" type="slidenum">
+              <a:rPr lang="de-DE" smtClean="0"/>
+              <a:t>20</a:t>
+            </a:fld>
+            <a:endParaRPr lang="de-DE"/>
+          </a:p>
+        </p:txBody>
+      </p:sp>
     </p:spTree>
     <p:extLst>
       <p:ext uri="{BB962C8B-B14F-4D97-AF65-F5344CB8AC3E}">
@@ -10045,6 +10871,75 @@
           </a:prstGeom>
         </p:spPr>
       </p:pic>
+      <p:sp>
+        <p:nvSpPr>
+          <p:cNvPr id="5" name="Datumsplatzhalter 4"/>
+          <p:cNvSpPr>
+            <a:spLocks noGrp="1"/>
+          </p:cNvSpPr>
+          <p:nvPr>
+            <p:ph type="dt" sz="half" idx="10"/>
+          </p:nvPr>
+        </p:nvSpPr>
+        <p:spPr/>
+        <p:txBody>
+          <a:bodyPr/>
+          <a:lstStyle/>
+          <a:p>
+            <a:fld id="{7DC292B6-C02C-4DB4-85AA-B59E9803446E}" type="datetime1">
+              <a:rPr lang="de-DE" smtClean="0"/>
+              <a:t>27.03.2018</a:t>
+            </a:fld>
+            <a:endParaRPr lang="de-DE"/>
+          </a:p>
+        </p:txBody>
+      </p:sp>
+      <p:sp>
+        <p:nvSpPr>
+          <p:cNvPr id="6" name="Fußzeilenplatzhalter 5"/>
+          <p:cNvSpPr>
+            <a:spLocks noGrp="1"/>
+          </p:cNvSpPr>
+          <p:nvPr>
+            <p:ph type="ftr" sz="quarter" idx="11"/>
+          </p:nvPr>
+        </p:nvSpPr>
+        <p:spPr/>
+        <p:txBody>
+          <a:bodyPr/>
+          <a:lstStyle/>
+          <a:p>
+            <a:r>
+              <a:rPr lang="de-DE" smtClean="0"/>
+              <a:t>Python: Objektorientierung</a:t>
+            </a:r>
+            <a:endParaRPr lang="de-DE"/>
+          </a:p>
+        </p:txBody>
+      </p:sp>
+      <p:sp>
+        <p:nvSpPr>
+          <p:cNvPr id="7" name="Foliennummernplatzhalter 6"/>
+          <p:cNvSpPr>
+            <a:spLocks noGrp="1"/>
+          </p:cNvSpPr>
+          <p:nvPr>
+            <p:ph type="sldNum" sz="quarter" idx="12"/>
+          </p:nvPr>
+        </p:nvSpPr>
+        <p:spPr/>
+        <p:txBody>
+          <a:bodyPr/>
+          <a:lstStyle/>
+          <a:p>
+            <a:fld id="{3A1F27E2-D58A-4028-9FF2-B12D897F257E}" type="slidenum">
+              <a:rPr lang="de-DE" smtClean="0"/>
+              <a:t>21</a:t>
+            </a:fld>
+            <a:endParaRPr lang="de-DE"/>
+          </a:p>
+        </p:txBody>
+      </p:sp>
     </p:spTree>
     <p:extLst>
       <p:ext uri="{BB962C8B-B14F-4D97-AF65-F5344CB8AC3E}">
@@ -10109,7 +11004,6 @@
               <a:rPr lang="de-DE" dirty="0"/>
               <a:t>Bibliotheken</a:t>
             </a:r>
-            <a:endParaRPr lang="de-DE" dirty="0"/>
           </a:p>
         </p:txBody>
       </p:sp>
@@ -10262,6 +11156,75 @@
               <a:buNone/>
             </a:pPr>
             <a:endParaRPr lang="de-DE" dirty="0"/>
+          </a:p>
+        </p:txBody>
+      </p:sp>
+      <p:sp>
+        <p:nvSpPr>
+          <p:cNvPr id="2" name="Datumsplatzhalter 1"/>
+          <p:cNvSpPr>
+            <a:spLocks noGrp="1"/>
+          </p:cNvSpPr>
+          <p:nvPr>
+            <p:ph type="dt" sz="half" idx="10"/>
+          </p:nvPr>
+        </p:nvSpPr>
+        <p:spPr/>
+        <p:txBody>
+          <a:bodyPr/>
+          <a:lstStyle/>
+          <a:p>
+            <a:fld id="{867C2BBC-29D8-4193-BC77-5100B978C44F}" type="datetime1">
+              <a:rPr lang="de-DE" smtClean="0"/>
+              <a:t>27.03.2018</a:t>
+            </a:fld>
+            <a:endParaRPr lang="de-DE"/>
+          </a:p>
+        </p:txBody>
+      </p:sp>
+      <p:sp>
+        <p:nvSpPr>
+          <p:cNvPr id="3" name="Fußzeilenplatzhalter 2"/>
+          <p:cNvSpPr>
+            <a:spLocks noGrp="1"/>
+          </p:cNvSpPr>
+          <p:nvPr>
+            <p:ph type="ftr" sz="quarter" idx="11"/>
+          </p:nvPr>
+        </p:nvSpPr>
+        <p:spPr/>
+        <p:txBody>
+          <a:bodyPr/>
+          <a:lstStyle/>
+          <a:p>
+            <a:r>
+              <a:rPr lang="de-DE" smtClean="0"/>
+              <a:t>Python: Objektorientierung</a:t>
+            </a:r>
+            <a:endParaRPr lang="de-DE"/>
+          </a:p>
+        </p:txBody>
+      </p:sp>
+      <p:sp>
+        <p:nvSpPr>
+          <p:cNvPr id="4" name="Foliennummernplatzhalter 3"/>
+          <p:cNvSpPr>
+            <a:spLocks noGrp="1"/>
+          </p:cNvSpPr>
+          <p:nvPr>
+            <p:ph type="sldNum" sz="quarter" idx="12"/>
+          </p:nvPr>
+        </p:nvSpPr>
+        <p:spPr/>
+        <p:txBody>
+          <a:bodyPr/>
+          <a:lstStyle/>
+          <a:p>
+            <a:fld id="{3A1F27E2-D58A-4028-9FF2-B12D897F257E}" type="slidenum">
+              <a:rPr lang="de-DE" smtClean="0"/>
+              <a:t>22</a:t>
+            </a:fld>
+            <a:endParaRPr lang="de-DE"/>
           </a:p>
         </p:txBody>
       </p:sp>
@@ -10542,6 +11505,75 @@
           </a:p>
         </p:txBody>
       </p:sp>
+      <p:sp>
+        <p:nvSpPr>
+          <p:cNvPr id="2" name="Datumsplatzhalter 1"/>
+          <p:cNvSpPr>
+            <a:spLocks noGrp="1"/>
+          </p:cNvSpPr>
+          <p:nvPr>
+            <p:ph type="dt" sz="half" idx="10"/>
+          </p:nvPr>
+        </p:nvSpPr>
+        <p:spPr/>
+        <p:txBody>
+          <a:bodyPr/>
+          <a:lstStyle/>
+          <a:p>
+            <a:fld id="{939B7D1F-3D2F-4686-9853-C92907B828F1}" type="datetime1">
+              <a:rPr lang="de-DE" smtClean="0"/>
+              <a:t>27.03.2018</a:t>
+            </a:fld>
+            <a:endParaRPr lang="de-DE"/>
+          </a:p>
+        </p:txBody>
+      </p:sp>
+      <p:sp>
+        <p:nvSpPr>
+          <p:cNvPr id="3" name="Fußzeilenplatzhalter 2"/>
+          <p:cNvSpPr>
+            <a:spLocks noGrp="1"/>
+          </p:cNvSpPr>
+          <p:nvPr>
+            <p:ph type="ftr" sz="quarter" idx="11"/>
+          </p:nvPr>
+        </p:nvSpPr>
+        <p:spPr/>
+        <p:txBody>
+          <a:bodyPr/>
+          <a:lstStyle/>
+          <a:p>
+            <a:r>
+              <a:rPr lang="de-DE" smtClean="0"/>
+              <a:t>Python: Objektorientierung</a:t>
+            </a:r>
+            <a:endParaRPr lang="de-DE"/>
+          </a:p>
+        </p:txBody>
+      </p:sp>
+      <p:sp>
+        <p:nvSpPr>
+          <p:cNvPr id="4" name="Foliennummernplatzhalter 3"/>
+          <p:cNvSpPr>
+            <a:spLocks noGrp="1"/>
+          </p:cNvSpPr>
+          <p:nvPr>
+            <p:ph type="sldNum" sz="quarter" idx="12"/>
+          </p:nvPr>
+        </p:nvSpPr>
+        <p:spPr/>
+        <p:txBody>
+          <a:bodyPr/>
+          <a:lstStyle/>
+          <a:p>
+            <a:fld id="{3A1F27E2-D58A-4028-9FF2-B12D897F257E}" type="slidenum">
+              <a:rPr lang="de-DE" smtClean="0"/>
+              <a:t>23</a:t>
+            </a:fld>
+            <a:endParaRPr lang="de-DE"/>
+          </a:p>
+        </p:txBody>
+      </p:sp>
     </p:spTree>
     <p:extLst>
       <p:ext uri="{BB962C8B-B14F-4D97-AF65-F5344CB8AC3E}">
@@ -10750,6 +11782,75 @@
           </a:prstGeom>
         </p:spPr>
       </p:pic>
+      <p:sp>
+        <p:nvSpPr>
+          <p:cNvPr id="3" name="Datumsplatzhalter 2"/>
+          <p:cNvSpPr>
+            <a:spLocks noGrp="1"/>
+          </p:cNvSpPr>
+          <p:nvPr>
+            <p:ph type="dt" sz="half" idx="10"/>
+          </p:nvPr>
+        </p:nvSpPr>
+        <p:spPr/>
+        <p:txBody>
+          <a:bodyPr/>
+          <a:lstStyle/>
+          <a:p>
+            <a:fld id="{44FCA995-9086-4F0C-921F-7AABD68291BC}" type="datetime1">
+              <a:rPr lang="de-DE" smtClean="0"/>
+              <a:t>27.03.2018</a:t>
+            </a:fld>
+            <a:endParaRPr lang="de-DE"/>
+          </a:p>
+        </p:txBody>
+      </p:sp>
+      <p:sp>
+        <p:nvSpPr>
+          <p:cNvPr id="5" name="Fußzeilenplatzhalter 4"/>
+          <p:cNvSpPr>
+            <a:spLocks noGrp="1"/>
+          </p:cNvSpPr>
+          <p:nvPr>
+            <p:ph type="ftr" sz="quarter" idx="11"/>
+          </p:nvPr>
+        </p:nvSpPr>
+        <p:spPr/>
+        <p:txBody>
+          <a:bodyPr/>
+          <a:lstStyle/>
+          <a:p>
+            <a:r>
+              <a:rPr lang="de-DE" smtClean="0"/>
+              <a:t>Python: Objektorientierung</a:t>
+            </a:r>
+            <a:endParaRPr lang="de-DE"/>
+          </a:p>
+        </p:txBody>
+      </p:sp>
+      <p:sp>
+        <p:nvSpPr>
+          <p:cNvPr id="6" name="Foliennummernplatzhalter 5"/>
+          <p:cNvSpPr>
+            <a:spLocks noGrp="1"/>
+          </p:cNvSpPr>
+          <p:nvPr>
+            <p:ph type="sldNum" sz="quarter" idx="12"/>
+          </p:nvPr>
+        </p:nvSpPr>
+        <p:spPr/>
+        <p:txBody>
+          <a:bodyPr/>
+          <a:lstStyle/>
+          <a:p>
+            <a:fld id="{3A1F27E2-D58A-4028-9FF2-B12D897F257E}" type="slidenum">
+              <a:rPr lang="de-DE" smtClean="0"/>
+              <a:t>24</a:t>
+            </a:fld>
+            <a:endParaRPr lang="de-DE"/>
+          </a:p>
+        </p:txBody>
+      </p:sp>
     </p:spTree>
     <p:extLst>
       <p:ext uri="{BB962C8B-B14F-4D97-AF65-F5344CB8AC3E}">
@@ -10947,6 +12048,75 @@
           </a:p>
         </p:txBody>
       </p:sp>
+      <p:sp>
+        <p:nvSpPr>
+          <p:cNvPr id="2" name="Datumsplatzhalter 1"/>
+          <p:cNvSpPr>
+            <a:spLocks noGrp="1"/>
+          </p:cNvSpPr>
+          <p:nvPr>
+            <p:ph type="dt" sz="half" idx="10"/>
+          </p:nvPr>
+        </p:nvSpPr>
+        <p:spPr/>
+        <p:txBody>
+          <a:bodyPr/>
+          <a:lstStyle/>
+          <a:p>
+            <a:fld id="{D6751409-E4D3-4AE8-BB2C-784BF035244C}" type="datetime1">
+              <a:rPr lang="de-DE" smtClean="0"/>
+              <a:t>27.03.2018</a:t>
+            </a:fld>
+            <a:endParaRPr lang="de-DE"/>
+          </a:p>
+        </p:txBody>
+      </p:sp>
+      <p:sp>
+        <p:nvSpPr>
+          <p:cNvPr id="3" name="Fußzeilenplatzhalter 2"/>
+          <p:cNvSpPr>
+            <a:spLocks noGrp="1"/>
+          </p:cNvSpPr>
+          <p:nvPr>
+            <p:ph type="ftr" sz="quarter" idx="11"/>
+          </p:nvPr>
+        </p:nvSpPr>
+        <p:spPr/>
+        <p:txBody>
+          <a:bodyPr/>
+          <a:lstStyle/>
+          <a:p>
+            <a:r>
+              <a:rPr lang="de-DE" smtClean="0"/>
+              <a:t>Python: Objektorientierung</a:t>
+            </a:r>
+            <a:endParaRPr lang="de-DE"/>
+          </a:p>
+        </p:txBody>
+      </p:sp>
+      <p:sp>
+        <p:nvSpPr>
+          <p:cNvPr id="4" name="Foliennummernplatzhalter 3"/>
+          <p:cNvSpPr>
+            <a:spLocks noGrp="1"/>
+          </p:cNvSpPr>
+          <p:nvPr>
+            <p:ph type="sldNum" sz="quarter" idx="12"/>
+          </p:nvPr>
+        </p:nvSpPr>
+        <p:spPr/>
+        <p:txBody>
+          <a:bodyPr/>
+          <a:lstStyle/>
+          <a:p>
+            <a:fld id="{3A1F27E2-D58A-4028-9FF2-B12D897F257E}" type="slidenum">
+              <a:rPr lang="de-DE" smtClean="0"/>
+              <a:t>25</a:t>
+            </a:fld>
+            <a:endParaRPr lang="de-DE"/>
+          </a:p>
+        </p:txBody>
+      </p:sp>
     </p:spTree>
     <p:extLst>
       <p:ext uri="{BB962C8B-B14F-4D97-AF65-F5344CB8AC3E}">
@@ -11201,6 +12371,75 @@
           </a:prstGeom>
         </p:spPr>
       </p:pic>
+      <p:sp>
+        <p:nvSpPr>
+          <p:cNvPr id="2" name="Datumsplatzhalter 1"/>
+          <p:cNvSpPr>
+            <a:spLocks noGrp="1"/>
+          </p:cNvSpPr>
+          <p:nvPr>
+            <p:ph type="dt" sz="half" idx="10"/>
+          </p:nvPr>
+        </p:nvSpPr>
+        <p:spPr/>
+        <p:txBody>
+          <a:bodyPr/>
+          <a:lstStyle/>
+          <a:p>
+            <a:fld id="{F4BEFC86-3D12-40B5-B7D0-AC731C238F55}" type="datetime1">
+              <a:rPr lang="de-DE" smtClean="0"/>
+              <a:t>27.03.2018</a:t>
+            </a:fld>
+            <a:endParaRPr lang="de-DE"/>
+          </a:p>
+        </p:txBody>
+      </p:sp>
+      <p:sp>
+        <p:nvSpPr>
+          <p:cNvPr id="3" name="Fußzeilenplatzhalter 2"/>
+          <p:cNvSpPr>
+            <a:spLocks noGrp="1"/>
+          </p:cNvSpPr>
+          <p:nvPr>
+            <p:ph type="ftr" sz="quarter" idx="11"/>
+          </p:nvPr>
+        </p:nvSpPr>
+        <p:spPr/>
+        <p:txBody>
+          <a:bodyPr/>
+          <a:lstStyle/>
+          <a:p>
+            <a:r>
+              <a:rPr lang="de-DE" smtClean="0"/>
+              <a:t>Python: Objektorientierung</a:t>
+            </a:r>
+            <a:endParaRPr lang="de-DE"/>
+          </a:p>
+        </p:txBody>
+      </p:sp>
+      <p:sp>
+        <p:nvSpPr>
+          <p:cNvPr id="4" name="Foliennummernplatzhalter 3"/>
+          <p:cNvSpPr>
+            <a:spLocks noGrp="1"/>
+          </p:cNvSpPr>
+          <p:nvPr>
+            <p:ph type="sldNum" sz="quarter" idx="12"/>
+          </p:nvPr>
+        </p:nvSpPr>
+        <p:spPr/>
+        <p:txBody>
+          <a:bodyPr/>
+          <a:lstStyle/>
+          <a:p>
+            <a:fld id="{3A1F27E2-D58A-4028-9FF2-B12D897F257E}" type="slidenum">
+              <a:rPr lang="de-DE" smtClean="0"/>
+              <a:t>26</a:t>
+            </a:fld>
+            <a:endParaRPr lang="de-DE"/>
+          </a:p>
+        </p:txBody>
+      </p:sp>
     </p:spTree>
     <p:extLst>
       <p:ext uri="{BB962C8B-B14F-4D97-AF65-F5344CB8AC3E}">
@@ -11449,6 +12688,75 @@
           </a:p>
         </p:txBody>
       </p:sp>
+      <p:sp>
+        <p:nvSpPr>
+          <p:cNvPr id="2" name="Datumsplatzhalter 1"/>
+          <p:cNvSpPr>
+            <a:spLocks noGrp="1"/>
+          </p:cNvSpPr>
+          <p:nvPr>
+            <p:ph type="dt" sz="half" idx="10"/>
+          </p:nvPr>
+        </p:nvSpPr>
+        <p:spPr/>
+        <p:txBody>
+          <a:bodyPr/>
+          <a:lstStyle/>
+          <a:p>
+            <a:fld id="{1B6C0A25-E5F5-4CB0-94C6-28C767E2FE38}" type="datetime1">
+              <a:rPr lang="de-DE" smtClean="0"/>
+              <a:t>27.03.2018</a:t>
+            </a:fld>
+            <a:endParaRPr lang="de-DE"/>
+          </a:p>
+        </p:txBody>
+      </p:sp>
+      <p:sp>
+        <p:nvSpPr>
+          <p:cNvPr id="3" name="Fußzeilenplatzhalter 2"/>
+          <p:cNvSpPr>
+            <a:spLocks noGrp="1"/>
+          </p:cNvSpPr>
+          <p:nvPr>
+            <p:ph type="ftr" sz="quarter" idx="11"/>
+          </p:nvPr>
+        </p:nvSpPr>
+        <p:spPr/>
+        <p:txBody>
+          <a:bodyPr/>
+          <a:lstStyle/>
+          <a:p>
+            <a:r>
+              <a:rPr lang="de-DE" smtClean="0"/>
+              <a:t>Python: Objektorientierung</a:t>
+            </a:r>
+            <a:endParaRPr lang="de-DE"/>
+          </a:p>
+        </p:txBody>
+      </p:sp>
+      <p:sp>
+        <p:nvSpPr>
+          <p:cNvPr id="4" name="Foliennummernplatzhalter 3"/>
+          <p:cNvSpPr>
+            <a:spLocks noGrp="1"/>
+          </p:cNvSpPr>
+          <p:nvPr>
+            <p:ph type="sldNum" sz="quarter" idx="12"/>
+          </p:nvPr>
+        </p:nvSpPr>
+        <p:spPr/>
+        <p:txBody>
+          <a:bodyPr/>
+          <a:lstStyle/>
+          <a:p>
+            <a:fld id="{3A1F27E2-D58A-4028-9FF2-B12D897F257E}" type="slidenum">
+              <a:rPr lang="de-DE" smtClean="0"/>
+              <a:t>27</a:t>
+            </a:fld>
+            <a:endParaRPr lang="de-DE"/>
+          </a:p>
+        </p:txBody>
+      </p:sp>
     </p:spTree>
     <p:extLst>
       <p:ext uri="{BB962C8B-B14F-4D97-AF65-F5344CB8AC3E}">
@@ -11568,6 +12876,75 @@
           </a:prstGeom>
         </p:spPr>
       </p:pic>
+      <p:sp>
+        <p:nvSpPr>
+          <p:cNvPr id="2" name="Datumsplatzhalter 1"/>
+          <p:cNvSpPr>
+            <a:spLocks noGrp="1"/>
+          </p:cNvSpPr>
+          <p:nvPr>
+            <p:ph type="dt" sz="half" idx="10"/>
+          </p:nvPr>
+        </p:nvSpPr>
+        <p:spPr/>
+        <p:txBody>
+          <a:bodyPr/>
+          <a:lstStyle/>
+          <a:p>
+            <a:fld id="{7116912B-493C-462B-8367-29C4E62DBF15}" type="datetime1">
+              <a:rPr lang="de-DE" smtClean="0"/>
+              <a:t>27.03.2018</a:t>
+            </a:fld>
+            <a:endParaRPr lang="de-DE"/>
+          </a:p>
+        </p:txBody>
+      </p:sp>
+      <p:sp>
+        <p:nvSpPr>
+          <p:cNvPr id="3" name="Fußzeilenplatzhalter 2"/>
+          <p:cNvSpPr>
+            <a:spLocks noGrp="1"/>
+          </p:cNvSpPr>
+          <p:nvPr>
+            <p:ph type="ftr" sz="quarter" idx="11"/>
+          </p:nvPr>
+        </p:nvSpPr>
+        <p:spPr/>
+        <p:txBody>
+          <a:bodyPr/>
+          <a:lstStyle/>
+          <a:p>
+            <a:r>
+              <a:rPr lang="de-DE" smtClean="0"/>
+              <a:t>Python: Objektorientierung</a:t>
+            </a:r>
+            <a:endParaRPr lang="de-DE"/>
+          </a:p>
+        </p:txBody>
+      </p:sp>
+      <p:sp>
+        <p:nvSpPr>
+          <p:cNvPr id="4" name="Foliennummernplatzhalter 3"/>
+          <p:cNvSpPr>
+            <a:spLocks noGrp="1"/>
+          </p:cNvSpPr>
+          <p:nvPr>
+            <p:ph type="sldNum" sz="quarter" idx="12"/>
+          </p:nvPr>
+        </p:nvSpPr>
+        <p:spPr/>
+        <p:txBody>
+          <a:bodyPr/>
+          <a:lstStyle/>
+          <a:p>
+            <a:fld id="{3A1F27E2-D58A-4028-9FF2-B12D897F257E}" type="slidenum">
+              <a:rPr lang="de-DE" smtClean="0"/>
+              <a:t>28</a:t>
+            </a:fld>
+            <a:endParaRPr lang="de-DE"/>
+          </a:p>
+        </p:txBody>
+      </p:sp>
     </p:spTree>
     <p:extLst>
       <p:ext uri="{BB962C8B-B14F-4D97-AF65-F5344CB8AC3E}">
@@ -11798,6 +13175,75 @@
           </a:p>
         </p:txBody>
       </p:sp>
+      <p:sp>
+        <p:nvSpPr>
+          <p:cNvPr id="2" name="Datumsplatzhalter 1"/>
+          <p:cNvSpPr>
+            <a:spLocks noGrp="1"/>
+          </p:cNvSpPr>
+          <p:nvPr>
+            <p:ph type="dt" sz="half" idx="10"/>
+          </p:nvPr>
+        </p:nvSpPr>
+        <p:spPr/>
+        <p:txBody>
+          <a:bodyPr/>
+          <a:lstStyle/>
+          <a:p>
+            <a:fld id="{9EA2C7DF-D366-4577-83C5-AEC86A222417}" type="datetime1">
+              <a:rPr lang="de-DE" smtClean="0"/>
+              <a:t>27.03.2018</a:t>
+            </a:fld>
+            <a:endParaRPr lang="de-DE"/>
+          </a:p>
+        </p:txBody>
+      </p:sp>
+      <p:sp>
+        <p:nvSpPr>
+          <p:cNvPr id="3" name="Fußzeilenplatzhalter 2"/>
+          <p:cNvSpPr>
+            <a:spLocks noGrp="1"/>
+          </p:cNvSpPr>
+          <p:nvPr>
+            <p:ph type="ftr" sz="quarter" idx="11"/>
+          </p:nvPr>
+        </p:nvSpPr>
+        <p:spPr/>
+        <p:txBody>
+          <a:bodyPr/>
+          <a:lstStyle/>
+          <a:p>
+            <a:r>
+              <a:rPr lang="de-DE" smtClean="0"/>
+              <a:t>Python: Objektorientierung</a:t>
+            </a:r>
+            <a:endParaRPr lang="de-DE"/>
+          </a:p>
+        </p:txBody>
+      </p:sp>
+      <p:sp>
+        <p:nvSpPr>
+          <p:cNvPr id="4" name="Foliennummernplatzhalter 3"/>
+          <p:cNvSpPr>
+            <a:spLocks noGrp="1"/>
+          </p:cNvSpPr>
+          <p:nvPr>
+            <p:ph type="sldNum" sz="quarter" idx="12"/>
+          </p:nvPr>
+        </p:nvSpPr>
+        <p:spPr/>
+        <p:txBody>
+          <a:bodyPr/>
+          <a:lstStyle/>
+          <a:p>
+            <a:fld id="{3A1F27E2-D58A-4028-9FF2-B12D897F257E}" type="slidenum">
+              <a:rPr lang="de-DE" smtClean="0"/>
+              <a:t>29</a:t>
+            </a:fld>
+            <a:endParaRPr lang="de-DE"/>
+          </a:p>
+        </p:txBody>
+      </p:sp>
     </p:spTree>
     <p:extLst>
       <p:ext uri="{BB962C8B-B14F-4D97-AF65-F5344CB8AC3E}">
@@ -11923,6 +13369,75 @@
           </a:p>
         </p:txBody>
       </p:sp>
+      <p:sp>
+        <p:nvSpPr>
+          <p:cNvPr id="2" name="Datumsplatzhalter 1"/>
+          <p:cNvSpPr>
+            <a:spLocks noGrp="1"/>
+          </p:cNvSpPr>
+          <p:nvPr>
+            <p:ph type="dt" sz="half" idx="10"/>
+          </p:nvPr>
+        </p:nvSpPr>
+        <p:spPr/>
+        <p:txBody>
+          <a:bodyPr/>
+          <a:lstStyle/>
+          <a:p>
+            <a:fld id="{A8F6B87A-4379-48CC-AC79-9AF7E87B8C61}" type="datetime1">
+              <a:rPr lang="de-DE" smtClean="0"/>
+              <a:t>27.03.2018</a:t>
+            </a:fld>
+            <a:endParaRPr lang="de-DE"/>
+          </a:p>
+        </p:txBody>
+      </p:sp>
+      <p:sp>
+        <p:nvSpPr>
+          <p:cNvPr id="3" name="Fußzeilenplatzhalter 2"/>
+          <p:cNvSpPr>
+            <a:spLocks noGrp="1"/>
+          </p:cNvSpPr>
+          <p:nvPr>
+            <p:ph type="ftr" sz="quarter" idx="11"/>
+          </p:nvPr>
+        </p:nvSpPr>
+        <p:spPr/>
+        <p:txBody>
+          <a:bodyPr/>
+          <a:lstStyle/>
+          <a:p>
+            <a:r>
+              <a:rPr lang="de-DE" smtClean="0"/>
+              <a:t>Python: Objektorientierung</a:t>
+            </a:r>
+            <a:endParaRPr lang="de-DE"/>
+          </a:p>
+        </p:txBody>
+      </p:sp>
+      <p:sp>
+        <p:nvSpPr>
+          <p:cNvPr id="4" name="Foliennummernplatzhalter 3"/>
+          <p:cNvSpPr>
+            <a:spLocks noGrp="1"/>
+          </p:cNvSpPr>
+          <p:nvPr>
+            <p:ph type="sldNum" sz="quarter" idx="12"/>
+          </p:nvPr>
+        </p:nvSpPr>
+        <p:spPr/>
+        <p:txBody>
+          <a:bodyPr/>
+          <a:lstStyle/>
+          <a:p>
+            <a:fld id="{3A1F27E2-D58A-4028-9FF2-B12D897F257E}" type="slidenum">
+              <a:rPr lang="de-DE" smtClean="0"/>
+              <a:t>3</a:t>
+            </a:fld>
+            <a:endParaRPr lang="de-DE"/>
+          </a:p>
+        </p:txBody>
+      </p:sp>
     </p:spTree>
     <p:extLst>
       <p:ext uri="{BB962C8B-B14F-4D97-AF65-F5344CB8AC3E}">
@@ -12042,6 +13557,75 @@
           </a:prstGeom>
         </p:spPr>
       </p:pic>
+      <p:sp>
+        <p:nvSpPr>
+          <p:cNvPr id="2" name="Datumsplatzhalter 1"/>
+          <p:cNvSpPr>
+            <a:spLocks noGrp="1"/>
+          </p:cNvSpPr>
+          <p:nvPr>
+            <p:ph type="dt" sz="half" idx="10"/>
+          </p:nvPr>
+        </p:nvSpPr>
+        <p:spPr/>
+        <p:txBody>
+          <a:bodyPr/>
+          <a:lstStyle/>
+          <a:p>
+            <a:fld id="{04462AD1-F5F7-4809-9554-5E37DB862994}" type="datetime1">
+              <a:rPr lang="de-DE" smtClean="0"/>
+              <a:t>27.03.2018</a:t>
+            </a:fld>
+            <a:endParaRPr lang="de-DE"/>
+          </a:p>
+        </p:txBody>
+      </p:sp>
+      <p:sp>
+        <p:nvSpPr>
+          <p:cNvPr id="3" name="Fußzeilenplatzhalter 2"/>
+          <p:cNvSpPr>
+            <a:spLocks noGrp="1"/>
+          </p:cNvSpPr>
+          <p:nvPr>
+            <p:ph type="ftr" sz="quarter" idx="11"/>
+          </p:nvPr>
+        </p:nvSpPr>
+        <p:spPr/>
+        <p:txBody>
+          <a:bodyPr/>
+          <a:lstStyle/>
+          <a:p>
+            <a:r>
+              <a:rPr lang="de-DE" smtClean="0"/>
+              <a:t>Python: Objektorientierung</a:t>
+            </a:r>
+            <a:endParaRPr lang="de-DE"/>
+          </a:p>
+        </p:txBody>
+      </p:sp>
+      <p:sp>
+        <p:nvSpPr>
+          <p:cNvPr id="4" name="Foliennummernplatzhalter 3"/>
+          <p:cNvSpPr>
+            <a:spLocks noGrp="1"/>
+          </p:cNvSpPr>
+          <p:nvPr>
+            <p:ph type="sldNum" sz="quarter" idx="12"/>
+          </p:nvPr>
+        </p:nvSpPr>
+        <p:spPr/>
+        <p:txBody>
+          <a:bodyPr/>
+          <a:lstStyle/>
+          <a:p>
+            <a:fld id="{3A1F27E2-D58A-4028-9FF2-B12D897F257E}" type="slidenum">
+              <a:rPr lang="de-DE" smtClean="0"/>
+              <a:t>30</a:t>
+            </a:fld>
+            <a:endParaRPr lang="de-DE"/>
+          </a:p>
+        </p:txBody>
+      </p:sp>
     </p:spTree>
     <p:extLst>
       <p:ext uri="{BB962C8B-B14F-4D97-AF65-F5344CB8AC3E}">
@@ -12131,7 +13715,6 @@
               <a:rPr lang="de-DE" dirty="0"/>
               <a:t>)</a:t>
             </a:r>
-            <a:endParaRPr lang="de-DE" dirty="0"/>
           </a:p>
         </p:txBody>
       </p:sp>
@@ -12272,6 +13855,75 @@
           </a:prstGeom>
         </p:spPr>
       </p:pic>
+      <p:sp>
+        <p:nvSpPr>
+          <p:cNvPr id="2" name="Datumsplatzhalter 1"/>
+          <p:cNvSpPr>
+            <a:spLocks noGrp="1"/>
+          </p:cNvSpPr>
+          <p:nvPr>
+            <p:ph type="dt" sz="half" idx="10"/>
+          </p:nvPr>
+        </p:nvSpPr>
+        <p:spPr/>
+        <p:txBody>
+          <a:bodyPr/>
+          <a:lstStyle/>
+          <a:p>
+            <a:fld id="{2F067CAD-EEF5-47E0-A6FB-49CD509CBAF3}" type="datetime1">
+              <a:rPr lang="de-DE" smtClean="0"/>
+              <a:t>27.03.2018</a:t>
+            </a:fld>
+            <a:endParaRPr lang="de-DE"/>
+          </a:p>
+        </p:txBody>
+      </p:sp>
+      <p:sp>
+        <p:nvSpPr>
+          <p:cNvPr id="3" name="Fußzeilenplatzhalter 2"/>
+          <p:cNvSpPr>
+            <a:spLocks noGrp="1"/>
+          </p:cNvSpPr>
+          <p:nvPr>
+            <p:ph type="ftr" sz="quarter" idx="11"/>
+          </p:nvPr>
+        </p:nvSpPr>
+        <p:spPr/>
+        <p:txBody>
+          <a:bodyPr/>
+          <a:lstStyle/>
+          <a:p>
+            <a:r>
+              <a:rPr lang="de-DE" smtClean="0"/>
+              <a:t>Python: Objektorientierung</a:t>
+            </a:r>
+            <a:endParaRPr lang="de-DE"/>
+          </a:p>
+        </p:txBody>
+      </p:sp>
+      <p:sp>
+        <p:nvSpPr>
+          <p:cNvPr id="4" name="Foliennummernplatzhalter 3"/>
+          <p:cNvSpPr>
+            <a:spLocks noGrp="1"/>
+          </p:cNvSpPr>
+          <p:nvPr>
+            <p:ph type="sldNum" sz="quarter" idx="12"/>
+          </p:nvPr>
+        </p:nvSpPr>
+        <p:spPr/>
+        <p:txBody>
+          <a:bodyPr/>
+          <a:lstStyle/>
+          <a:p>
+            <a:fld id="{3A1F27E2-D58A-4028-9FF2-B12D897F257E}" type="slidenum">
+              <a:rPr lang="de-DE" smtClean="0"/>
+              <a:t>31</a:t>
+            </a:fld>
+            <a:endParaRPr lang="de-DE"/>
+          </a:p>
+        </p:txBody>
+      </p:sp>
     </p:spTree>
     <p:extLst>
       <p:ext uri="{BB962C8B-B14F-4D97-AF65-F5344CB8AC3E}">
@@ -12423,9 +14075,9 @@
           <a:bodyPr/>
           <a:lstStyle/>
           <a:p>
-            <a:fld id="{5012BFAC-13A2-406F-985B-15C02770A123}" type="datetime1">
-              <a:rPr lang="de-DE" smtClean="0"/>
-              <a:t>28.02.2018</a:t>
+            <a:fld id="{AE61CCC7-FF4F-44FB-BC11-0D60FFCC4131}" type="datetime1">
+              <a:rPr lang="de-DE" smtClean="0"/>
+              <a:t>27.03.2018</a:t>
             </a:fld>
             <a:endParaRPr lang="de-DE"/>
           </a:p>
@@ -12446,6 +14098,10 @@
           <a:bodyPr/>
           <a:lstStyle/>
           <a:p>
+            <a:r>
+              <a:rPr lang="de-DE" smtClean="0"/>
+              <a:t>Python: Objektorientierung</a:t>
+            </a:r>
             <a:endParaRPr lang="de-DE"/>
           </a:p>
         </p:txBody>
@@ -12617,9 +14273,9 @@
           <a:bodyPr/>
           <a:lstStyle/>
           <a:p>
-            <a:fld id="{5012BFAC-13A2-406F-985B-15C02770A123}" type="datetime1">
-              <a:rPr lang="de-DE" smtClean="0"/>
-              <a:t>28.02.2018</a:t>
+            <a:fld id="{132CF81F-837E-4D0E-B6CA-745B956ADD8C}" type="datetime1">
+              <a:rPr lang="de-DE" smtClean="0"/>
+              <a:t>27.03.2018</a:t>
             </a:fld>
             <a:endParaRPr lang="de-DE"/>
           </a:p>
@@ -12640,6 +14296,10 @@
           <a:bodyPr/>
           <a:lstStyle/>
           <a:p>
+            <a:r>
+              <a:rPr lang="de-DE" smtClean="0"/>
+              <a:t>Python: Objektorientierung</a:t>
+            </a:r>
             <a:endParaRPr lang="de-DE"/>
           </a:p>
         </p:txBody>
@@ -12766,9 +14426,9 @@
           <a:bodyPr/>
           <a:lstStyle/>
           <a:p>
-            <a:fld id="{7DB60EA0-79E0-49D4-B7E2-5C40B5B96ECA}" type="datetime1">
-              <a:rPr lang="de-DE" smtClean="0"/>
-              <a:t>28.02.2018</a:t>
+            <a:fld id="{A2507FC9-547A-4B65-962B-285A0804D58C}" type="datetime1">
+              <a:rPr lang="de-DE" smtClean="0"/>
+              <a:t>27.03.2018</a:t>
             </a:fld>
             <a:endParaRPr lang="de-DE"/>
           </a:p>
@@ -12789,6 +14449,10 @@
           <a:bodyPr/>
           <a:lstStyle/>
           <a:p>
+            <a:r>
+              <a:rPr lang="de-DE" smtClean="0"/>
+              <a:t>Python: Objektorientierung</a:t>
+            </a:r>
             <a:endParaRPr lang="de-DE"/>
           </a:p>
         </p:txBody>
@@ -12960,6 +14624,75 @@
               <a:t>genannt</a:t>
             </a:r>
             <a:endParaRPr lang="de-DE" dirty="0"/>
+          </a:p>
+        </p:txBody>
+      </p:sp>
+      <p:sp>
+        <p:nvSpPr>
+          <p:cNvPr id="2" name="Datumsplatzhalter 1"/>
+          <p:cNvSpPr>
+            <a:spLocks noGrp="1"/>
+          </p:cNvSpPr>
+          <p:nvPr>
+            <p:ph type="dt" sz="half" idx="10"/>
+          </p:nvPr>
+        </p:nvSpPr>
+        <p:spPr/>
+        <p:txBody>
+          <a:bodyPr/>
+          <a:lstStyle/>
+          <a:p>
+            <a:fld id="{E928796E-2F22-4B11-83C1-A2E7550A985D}" type="datetime1">
+              <a:rPr lang="de-DE" smtClean="0"/>
+              <a:t>27.03.2018</a:t>
+            </a:fld>
+            <a:endParaRPr lang="de-DE"/>
+          </a:p>
+        </p:txBody>
+      </p:sp>
+      <p:sp>
+        <p:nvSpPr>
+          <p:cNvPr id="3" name="Fußzeilenplatzhalter 2"/>
+          <p:cNvSpPr>
+            <a:spLocks noGrp="1"/>
+          </p:cNvSpPr>
+          <p:nvPr>
+            <p:ph type="ftr" sz="quarter" idx="11"/>
+          </p:nvPr>
+        </p:nvSpPr>
+        <p:spPr/>
+        <p:txBody>
+          <a:bodyPr/>
+          <a:lstStyle/>
+          <a:p>
+            <a:r>
+              <a:rPr lang="de-DE" smtClean="0"/>
+              <a:t>Python: Objektorientierung</a:t>
+            </a:r>
+            <a:endParaRPr lang="de-DE"/>
+          </a:p>
+        </p:txBody>
+      </p:sp>
+      <p:sp>
+        <p:nvSpPr>
+          <p:cNvPr id="4" name="Foliennummernplatzhalter 3"/>
+          <p:cNvSpPr>
+            <a:spLocks noGrp="1"/>
+          </p:cNvSpPr>
+          <p:nvPr>
+            <p:ph type="sldNum" sz="quarter" idx="12"/>
+          </p:nvPr>
+        </p:nvSpPr>
+        <p:spPr/>
+        <p:txBody>
+          <a:bodyPr/>
+          <a:lstStyle/>
+          <a:p>
+            <a:fld id="{3A1F27E2-D58A-4028-9FF2-B12D897F257E}" type="slidenum">
+              <a:rPr lang="de-DE" smtClean="0"/>
+              <a:t>4</a:t>
+            </a:fld>
+            <a:endParaRPr lang="de-DE"/>
           </a:p>
         </p:txBody>
       </p:sp>
@@ -13118,6 +14851,75 @@
               <a:t>Raum</a:t>
             </a:r>
             <a:endParaRPr lang="de-DE" dirty="0"/>
+          </a:p>
+        </p:txBody>
+      </p:sp>
+      <p:sp>
+        <p:nvSpPr>
+          <p:cNvPr id="2" name="Datumsplatzhalter 1"/>
+          <p:cNvSpPr>
+            <a:spLocks noGrp="1"/>
+          </p:cNvSpPr>
+          <p:nvPr>
+            <p:ph type="dt" sz="half" idx="10"/>
+          </p:nvPr>
+        </p:nvSpPr>
+        <p:spPr/>
+        <p:txBody>
+          <a:bodyPr/>
+          <a:lstStyle/>
+          <a:p>
+            <a:fld id="{5F009925-E9FE-4C45-8709-6140257CE5E2}" type="datetime1">
+              <a:rPr lang="de-DE" smtClean="0"/>
+              <a:t>27.03.2018</a:t>
+            </a:fld>
+            <a:endParaRPr lang="de-DE"/>
+          </a:p>
+        </p:txBody>
+      </p:sp>
+      <p:sp>
+        <p:nvSpPr>
+          <p:cNvPr id="3" name="Fußzeilenplatzhalter 2"/>
+          <p:cNvSpPr>
+            <a:spLocks noGrp="1"/>
+          </p:cNvSpPr>
+          <p:nvPr>
+            <p:ph type="ftr" sz="quarter" idx="11"/>
+          </p:nvPr>
+        </p:nvSpPr>
+        <p:spPr/>
+        <p:txBody>
+          <a:bodyPr/>
+          <a:lstStyle/>
+          <a:p>
+            <a:r>
+              <a:rPr lang="de-DE" smtClean="0"/>
+              <a:t>Python: Objektorientierung</a:t>
+            </a:r>
+            <a:endParaRPr lang="de-DE"/>
+          </a:p>
+        </p:txBody>
+      </p:sp>
+      <p:sp>
+        <p:nvSpPr>
+          <p:cNvPr id="4" name="Foliennummernplatzhalter 3"/>
+          <p:cNvSpPr>
+            <a:spLocks noGrp="1"/>
+          </p:cNvSpPr>
+          <p:nvPr>
+            <p:ph type="sldNum" sz="quarter" idx="12"/>
+          </p:nvPr>
+        </p:nvSpPr>
+        <p:spPr/>
+        <p:txBody>
+          <a:bodyPr/>
+          <a:lstStyle/>
+          <a:p>
+            <a:fld id="{3A1F27E2-D58A-4028-9FF2-B12D897F257E}" type="slidenum">
+              <a:rPr lang="de-DE" smtClean="0"/>
+              <a:t>5</a:t>
+            </a:fld>
+            <a:endParaRPr lang="de-DE"/>
           </a:p>
         </p:txBody>
       </p:sp>
@@ -13552,6 +15354,75 @@
               </a:rPr>
               <a:t>Adresse</a:t>
             </a:r>
+          </a:p>
+        </p:txBody>
+      </p:sp>
+      <p:sp>
+        <p:nvSpPr>
+          <p:cNvPr id="2" name="Datumsplatzhalter 1"/>
+          <p:cNvSpPr>
+            <a:spLocks noGrp="1"/>
+          </p:cNvSpPr>
+          <p:nvPr>
+            <p:ph type="dt" sz="half" idx="10"/>
+          </p:nvPr>
+        </p:nvSpPr>
+        <p:spPr/>
+        <p:txBody>
+          <a:bodyPr/>
+          <a:lstStyle/>
+          <a:p>
+            <a:fld id="{1BD2685E-9C71-45B6-8C9D-A217E9DCF793}" type="datetime1">
+              <a:rPr lang="de-DE" smtClean="0"/>
+              <a:t>27.03.2018</a:t>
+            </a:fld>
+            <a:endParaRPr lang="de-DE"/>
+          </a:p>
+        </p:txBody>
+      </p:sp>
+      <p:sp>
+        <p:nvSpPr>
+          <p:cNvPr id="3" name="Fußzeilenplatzhalter 2"/>
+          <p:cNvSpPr>
+            <a:spLocks noGrp="1"/>
+          </p:cNvSpPr>
+          <p:nvPr>
+            <p:ph type="ftr" sz="quarter" idx="11"/>
+          </p:nvPr>
+        </p:nvSpPr>
+        <p:spPr/>
+        <p:txBody>
+          <a:bodyPr/>
+          <a:lstStyle/>
+          <a:p>
+            <a:r>
+              <a:rPr lang="de-DE" smtClean="0"/>
+              <a:t>Python: Objektorientierung</a:t>
+            </a:r>
+            <a:endParaRPr lang="de-DE"/>
+          </a:p>
+        </p:txBody>
+      </p:sp>
+      <p:sp>
+        <p:nvSpPr>
+          <p:cNvPr id="14" name="Foliennummernplatzhalter 13"/>
+          <p:cNvSpPr>
+            <a:spLocks noGrp="1"/>
+          </p:cNvSpPr>
+          <p:nvPr>
+            <p:ph type="sldNum" sz="quarter" idx="12"/>
+          </p:nvPr>
+        </p:nvSpPr>
+        <p:spPr/>
+        <p:txBody>
+          <a:bodyPr/>
+          <a:lstStyle/>
+          <a:p>
+            <a:fld id="{3A1F27E2-D58A-4028-9FF2-B12D897F257E}" type="slidenum">
+              <a:rPr lang="de-DE" smtClean="0"/>
+              <a:t>6</a:t>
+            </a:fld>
+            <a:endParaRPr lang="de-DE"/>
           </a:p>
         </p:txBody>
       </p:sp>
@@ -13799,6 +15670,75 @@
               <a:rPr lang="de-DE" dirty="0"/>
               <a:t>derselbe Baum</a:t>
             </a:r>
+          </a:p>
+        </p:txBody>
+      </p:sp>
+      <p:sp>
+        <p:nvSpPr>
+          <p:cNvPr id="2" name="Datumsplatzhalter 1"/>
+          <p:cNvSpPr>
+            <a:spLocks noGrp="1"/>
+          </p:cNvSpPr>
+          <p:nvPr>
+            <p:ph type="dt" sz="half" idx="10"/>
+          </p:nvPr>
+        </p:nvSpPr>
+        <p:spPr/>
+        <p:txBody>
+          <a:bodyPr/>
+          <a:lstStyle/>
+          <a:p>
+            <a:fld id="{EFC70778-B297-42B6-9BD6-3D9006EC3985}" type="datetime1">
+              <a:rPr lang="de-DE" smtClean="0"/>
+              <a:t>27.03.2018</a:t>
+            </a:fld>
+            <a:endParaRPr lang="de-DE"/>
+          </a:p>
+        </p:txBody>
+      </p:sp>
+      <p:sp>
+        <p:nvSpPr>
+          <p:cNvPr id="3" name="Fußzeilenplatzhalter 2"/>
+          <p:cNvSpPr>
+            <a:spLocks noGrp="1"/>
+          </p:cNvSpPr>
+          <p:nvPr>
+            <p:ph type="ftr" sz="quarter" idx="11"/>
+          </p:nvPr>
+        </p:nvSpPr>
+        <p:spPr/>
+        <p:txBody>
+          <a:bodyPr/>
+          <a:lstStyle/>
+          <a:p>
+            <a:r>
+              <a:rPr lang="de-DE" smtClean="0"/>
+              <a:t>Python: Objektorientierung</a:t>
+            </a:r>
+            <a:endParaRPr lang="de-DE"/>
+          </a:p>
+        </p:txBody>
+      </p:sp>
+      <p:sp>
+        <p:nvSpPr>
+          <p:cNvPr id="5" name="Foliennummernplatzhalter 4"/>
+          <p:cNvSpPr>
+            <a:spLocks noGrp="1"/>
+          </p:cNvSpPr>
+          <p:nvPr>
+            <p:ph type="sldNum" sz="quarter" idx="12"/>
+          </p:nvPr>
+        </p:nvSpPr>
+        <p:spPr/>
+        <p:txBody>
+          <a:bodyPr/>
+          <a:lstStyle/>
+          <a:p>
+            <a:fld id="{3A1F27E2-D58A-4028-9FF2-B12D897F257E}" type="slidenum">
+              <a:rPr lang="de-DE" smtClean="0"/>
+              <a:t>7</a:t>
+            </a:fld>
+            <a:endParaRPr lang="de-DE"/>
           </a:p>
         </p:txBody>
       </p:sp>
@@ -14898,6 +16838,75 @@
           </a:p>
         </p:txBody>
       </p:sp>
+      <p:sp>
+        <p:nvSpPr>
+          <p:cNvPr id="2" name="Datumsplatzhalter 1"/>
+          <p:cNvSpPr>
+            <a:spLocks noGrp="1"/>
+          </p:cNvSpPr>
+          <p:nvPr>
+            <p:ph type="dt" sz="half" idx="10"/>
+          </p:nvPr>
+        </p:nvSpPr>
+        <p:spPr/>
+        <p:txBody>
+          <a:bodyPr/>
+          <a:lstStyle/>
+          <a:p>
+            <a:fld id="{508BF93A-7FF9-4DD6-8A40-B5D90ED79DC7}" type="datetime1">
+              <a:rPr lang="de-DE" smtClean="0"/>
+              <a:t>27.03.2018</a:t>
+            </a:fld>
+            <a:endParaRPr lang="de-DE"/>
+          </a:p>
+        </p:txBody>
+      </p:sp>
+      <p:sp>
+        <p:nvSpPr>
+          <p:cNvPr id="3" name="Fußzeilenplatzhalter 2"/>
+          <p:cNvSpPr>
+            <a:spLocks noGrp="1"/>
+          </p:cNvSpPr>
+          <p:nvPr>
+            <p:ph type="ftr" sz="quarter" idx="11"/>
+          </p:nvPr>
+        </p:nvSpPr>
+        <p:spPr/>
+        <p:txBody>
+          <a:bodyPr/>
+          <a:lstStyle/>
+          <a:p>
+            <a:r>
+              <a:rPr lang="de-DE" smtClean="0"/>
+              <a:t>Python: Objektorientierung</a:t>
+            </a:r>
+            <a:endParaRPr lang="de-DE"/>
+          </a:p>
+        </p:txBody>
+      </p:sp>
+      <p:sp>
+        <p:nvSpPr>
+          <p:cNvPr id="5" name="Foliennummernplatzhalter 4"/>
+          <p:cNvSpPr>
+            <a:spLocks noGrp="1"/>
+          </p:cNvSpPr>
+          <p:nvPr>
+            <p:ph type="sldNum" sz="quarter" idx="12"/>
+          </p:nvPr>
+        </p:nvSpPr>
+        <p:spPr/>
+        <p:txBody>
+          <a:bodyPr/>
+          <a:lstStyle/>
+          <a:p>
+            <a:fld id="{3A1F27E2-D58A-4028-9FF2-B12D897F257E}" type="slidenum">
+              <a:rPr lang="de-DE" smtClean="0"/>
+              <a:t>8</a:t>
+            </a:fld>
+            <a:endParaRPr lang="de-DE"/>
+          </a:p>
+        </p:txBody>
+      </p:sp>
     </p:spTree>
     <p:extLst>
       <p:ext uri="{BB962C8B-B14F-4D97-AF65-F5344CB8AC3E}">
@@ -15169,6 +17178,75 @@
           </a:fontRef>
         </p:style>
       </p:cxnSp>
+      <p:sp>
+        <p:nvSpPr>
+          <p:cNvPr id="2" name="Datumsplatzhalter 1"/>
+          <p:cNvSpPr>
+            <a:spLocks noGrp="1"/>
+          </p:cNvSpPr>
+          <p:nvPr>
+            <p:ph type="dt" sz="half" idx="10"/>
+          </p:nvPr>
+        </p:nvSpPr>
+        <p:spPr/>
+        <p:txBody>
+          <a:bodyPr/>
+          <a:lstStyle/>
+          <a:p>
+            <a:fld id="{742B0813-2584-4090-A4C8-8D338042FC2B}" type="datetime1">
+              <a:rPr lang="de-DE" smtClean="0"/>
+              <a:t>27.03.2018</a:t>
+            </a:fld>
+            <a:endParaRPr lang="de-DE"/>
+          </a:p>
+        </p:txBody>
+      </p:sp>
+      <p:sp>
+        <p:nvSpPr>
+          <p:cNvPr id="3" name="Fußzeilenplatzhalter 2"/>
+          <p:cNvSpPr>
+            <a:spLocks noGrp="1"/>
+          </p:cNvSpPr>
+          <p:nvPr>
+            <p:ph type="ftr" sz="quarter" idx="11"/>
+          </p:nvPr>
+        </p:nvSpPr>
+        <p:spPr/>
+        <p:txBody>
+          <a:bodyPr/>
+          <a:lstStyle/>
+          <a:p>
+            <a:r>
+              <a:rPr lang="de-DE" smtClean="0"/>
+              <a:t>Python: Objektorientierung</a:t>
+            </a:r>
+            <a:endParaRPr lang="de-DE"/>
+          </a:p>
+        </p:txBody>
+      </p:sp>
+      <p:sp>
+        <p:nvSpPr>
+          <p:cNvPr id="5" name="Foliennummernplatzhalter 4"/>
+          <p:cNvSpPr>
+            <a:spLocks noGrp="1"/>
+          </p:cNvSpPr>
+          <p:nvPr>
+            <p:ph type="sldNum" sz="quarter" idx="12"/>
+          </p:nvPr>
+        </p:nvSpPr>
+        <p:spPr/>
+        <p:txBody>
+          <a:bodyPr/>
+          <a:lstStyle/>
+          <a:p>
+            <a:fld id="{3A1F27E2-D58A-4028-9FF2-B12D897F257E}" type="slidenum">
+              <a:rPr lang="de-DE" smtClean="0"/>
+              <a:t>9</a:t>
+            </a:fld>
+            <a:endParaRPr lang="de-DE"/>
+          </a:p>
+        </p:txBody>
+      </p:sp>
     </p:spTree>
     <p:extLst>
       <p:ext uri="{BB962C8B-B14F-4D97-AF65-F5344CB8AC3E}">
